--- a/docs/source/tutorial/images/drawings.pptx
+++ b/docs/source/tutorial/images/drawings.pptx
@@ -4,11 +4,16 @@
   <p:sldMasterIdLst>
     <p:sldMasterId id="2147483648" r:id="rId1"/>
   </p:sldMasterIdLst>
+  <p:notesMasterIdLst>
+    <p:notesMasterId r:id="rId8"/>
+  </p:notesMasterIdLst>
   <p:sldIdLst>
     <p:sldId id="256" r:id="rId2"/>
     <p:sldId id="257" r:id="rId3"/>
     <p:sldId id="261" r:id="rId4"/>
     <p:sldId id="260" r:id="rId5"/>
+    <p:sldId id="262" r:id="rId6"/>
+    <p:sldId id="263" r:id="rId7"/>
   </p:sldIdLst>
   <p:sldSz cx="9144000" cy="6858000" type="screen4x3"/>
   <p:notesSz cx="6858000" cy="9144000"/>
@@ -107,7 +112,457 @@
       </a:defRPr>
     </a:lvl9pPr>
   </p:defaultTextStyle>
+  <p:extLst>
+    <p:ext uri="{EFAFB233-063F-42B5-8137-9DF3F51BA10A}">
+      <p15:sldGuideLst xmlns:p15="http://schemas.microsoft.com/office/powerpoint/2012/main">
+        <p15:guide id="1" orient="horz" pos="2160">
+          <p15:clr>
+            <a:srgbClr val="A4A3A4"/>
+          </p15:clr>
+        </p15:guide>
+        <p15:guide id="2" pos="2880">
+          <p15:clr>
+            <a:srgbClr val="A4A3A4"/>
+          </p15:clr>
+        </p15:guide>
+      </p15:sldGuideLst>
+    </p:ext>
+  </p:extLst>
 </p:presentation>
+</file>
+
+<file path=ppt/notesMasters/notesMaster1.xml><?xml version="1.0" encoding="utf-8"?>
+<p:notesMaster xmlns:a="http://schemas.openxmlformats.org/drawingml/2006/main" xmlns:r="http://schemas.openxmlformats.org/officeDocument/2006/relationships" xmlns:p="http://schemas.openxmlformats.org/presentationml/2006/main">
+  <p:cSld>
+    <p:bg>
+      <p:bgRef idx="1001">
+        <a:schemeClr val="bg1"/>
+      </p:bgRef>
+    </p:bg>
+    <p:spTree>
+      <p:nvGrpSpPr>
+        <p:cNvPr id="1" name=""/>
+        <p:cNvGrpSpPr/>
+        <p:nvPr/>
+      </p:nvGrpSpPr>
+      <p:grpSpPr>
+        <a:xfrm>
+          <a:off x="0" y="0"/>
+          <a:ext cx="0" cy="0"/>
+          <a:chOff x="0" y="0"/>
+          <a:chExt cx="0" cy="0"/>
+        </a:xfrm>
+      </p:grpSpPr>
+      <p:sp>
+        <p:nvSpPr>
+          <p:cNvPr id="2" name="Header Placeholder 1"/>
+          <p:cNvSpPr>
+            <a:spLocks noGrp="1"/>
+          </p:cNvSpPr>
+          <p:nvPr>
+            <p:ph type="hdr" sz="quarter"/>
+          </p:nvPr>
+        </p:nvSpPr>
+        <p:spPr>
+          <a:xfrm>
+            <a:off x="0" y="0"/>
+            <a:ext cx="2971800" cy="458788"/>
+          </a:xfrm>
+          <a:prstGeom prst="rect">
+            <a:avLst/>
+          </a:prstGeom>
+        </p:spPr>
+        <p:txBody>
+          <a:bodyPr vert="horz" lIns="91440" tIns="45720" rIns="91440" bIns="45720" rtlCol="0"/>
+          <a:lstStyle>
+            <a:lvl1pPr algn="l">
+              <a:defRPr sz="1200"/>
+            </a:lvl1pPr>
+          </a:lstStyle>
+          <a:p>
+            <a:endParaRPr lang="en-US"/>
+          </a:p>
+        </p:txBody>
+      </p:sp>
+      <p:sp>
+        <p:nvSpPr>
+          <p:cNvPr id="3" name="Date Placeholder 2"/>
+          <p:cNvSpPr>
+            <a:spLocks noGrp="1"/>
+          </p:cNvSpPr>
+          <p:nvPr>
+            <p:ph type="dt" idx="1"/>
+          </p:nvPr>
+        </p:nvSpPr>
+        <p:spPr>
+          <a:xfrm>
+            <a:off x="3884613" y="0"/>
+            <a:ext cx="2971800" cy="458788"/>
+          </a:xfrm>
+          <a:prstGeom prst="rect">
+            <a:avLst/>
+          </a:prstGeom>
+        </p:spPr>
+        <p:txBody>
+          <a:bodyPr vert="horz" lIns="91440" tIns="45720" rIns="91440" bIns="45720" rtlCol="0"/>
+          <a:lstStyle>
+            <a:lvl1pPr algn="r">
+              <a:defRPr sz="1200"/>
+            </a:lvl1pPr>
+          </a:lstStyle>
+          <a:p>
+            <a:fld id="{02239070-089A-3E41-88EF-62F1EC113D6C}" type="datetimeFigureOut">
+              <a:rPr lang="en-US" smtClean="0"/>
+              <a:t>10/18/17</a:t>
+            </a:fld>
+            <a:endParaRPr lang="en-US"/>
+          </a:p>
+        </p:txBody>
+      </p:sp>
+      <p:sp>
+        <p:nvSpPr>
+          <p:cNvPr id="4" name="Slide Image Placeholder 3"/>
+          <p:cNvSpPr>
+            <a:spLocks noGrp="1" noRot="1" noChangeAspect="1"/>
+          </p:cNvSpPr>
+          <p:nvPr>
+            <p:ph type="sldImg" idx="2"/>
+          </p:nvPr>
+        </p:nvSpPr>
+        <p:spPr>
+          <a:xfrm>
+            <a:off x="1371600" y="1143000"/>
+            <a:ext cx="4114800" cy="3086100"/>
+          </a:xfrm>
+          <a:prstGeom prst="rect">
+            <a:avLst/>
+          </a:prstGeom>
+          <a:noFill/>
+          <a:ln w="12700">
+            <a:solidFill>
+              <a:prstClr val="black"/>
+            </a:solidFill>
+          </a:ln>
+        </p:spPr>
+        <p:txBody>
+          <a:bodyPr vert="horz" lIns="91440" tIns="45720" rIns="91440" bIns="45720" rtlCol="0" anchor="ctr"/>
+          <a:lstStyle/>
+          <a:p>
+            <a:endParaRPr lang="en-US"/>
+          </a:p>
+        </p:txBody>
+      </p:sp>
+      <p:sp>
+        <p:nvSpPr>
+          <p:cNvPr id="5" name="Notes Placeholder 4"/>
+          <p:cNvSpPr>
+            <a:spLocks noGrp="1"/>
+          </p:cNvSpPr>
+          <p:nvPr>
+            <p:ph type="body" sz="quarter" idx="3"/>
+          </p:nvPr>
+        </p:nvSpPr>
+        <p:spPr>
+          <a:xfrm>
+            <a:off x="685800" y="4400550"/>
+            <a:ext cx="5486400" cy="3600450"/>
+          </a:xfrm>
+          <a:prstGeom prst="rect">
+            <a:avLst/>
+          </a:prstGeom>
+        </p:spPr>
+        <p:txBody>
+          <a:bodyPr vert="horz" lIns="91440" tIns="45720" rIns="91440" bIns="45720" rtlCol="0"/>
+          <a:lstStyle/>
+          <a:p>
+            <a:pPr lvl="0"/>
+            <a:r>
+              <a:rPr lang="en-US" smtClean="0"/>
+              <a:t>Click to edit Master text styles</a:t>
+            </a:r>
+          </a:p>
+          <a:p>
+            <a:pPr lvl="1"/>
+            <a:r>
+              <a:rPr lang="en-US" smtClean="0"/>
+              <a:t>Second level</a:t>
+            </a:r>
+          </a:p>
+          <a:p>
+            <a:pPr lvl="2"/>
+            <a:r>
+              <a:rPr lang="en-US" smtClean="0"/>
+              <a:t>Third level</a:t>
+            </a:r>
+          </a:p>
+          <a:p>
+            <a:pPr lvl="3"/>
+            <a:r>
+              <a:rPr lang="en-US" smtClean="0"/>
+              <a:t>Fourth level</a:t>
+            </a:r>
+          </a:p>
+          <a:p>
+            <a:pPr lvl="4"/>
+            <a:r>
+              <a:rPr lang="en-US" smtClean="0"/>
+              <a:t>Fifth level</a:t>
+            </a:r>
+            <a:endParaRPr lang="en-US"/>
+          </a:p>
+        </p:txBody>
+      </p:sp>
+      <p:sp>
+        <p:nvSpPr>
+          <p:cNvPr id="6" name="Footer Placeholder 5"/>
+          <p:cNvSpPr>
+            <a:spLocks noGrp="1"/>
+          </p:cNvSpPr>
+          <p:nvPr>
+            <p:ph type="ftr" sz="quarter" idx="4"/>
+          </p:nvPr>
+        </p:nvSpPr>
+        <p:spPr>
+          <a:xfrm>
+            <a:off x="0" y="8685213"/>
+            <a:ext cx="2971800" cy="458787"/>
+          </a:xfrm>
+          <a:prstGeom prst="rect">
+            <a:avLst/>
+          </a:prstGeom>
+        </p:spPr>
+        <p:txBody>
+          <a:bodyPr vert="horz" lIns="91440" tIns="45720" rIns="91440" bIns="45720" rtlCol="0" anchor="b"/>
+          <a:lstStyle>
+            <a:lvl1pPr algn="l">
+              <a:defRPr sz="1200"/>
+            </a:lvl1pPr>
+          </a:lstStyle>
+          <a:p>
+            <a:endParaRPr lang="en-US"/>
+          </a:p>
+        </p:txBody>
+      </p:sp>
+      <p:sp>
+        <p:nvSpPr>
+          <p:cNvPr id="7" name="Slide Number Placeholder 6"/>
+          <p:cNvSpPr>
+            <a:spLocks noGrp="1"/>
+          </p:cNvSpPr>
+          <p:nvPr>
+            <p:ph type="sldNum" sz="quarter" idx="5"/>
+          </p:nvPr>
+        </p:nvSpPr>
+        <p:spPr>
+          <a:xfrm>
+            <a:off x="3884613" y="8685213"/>
+            <a:ext cx="2971800" cy="458787"/>
+          </a:xfrm>
+          <a:prstGeom prst="rect">
+            <a:avLst/>
+          </a:prstGeom>
+        </p:spPr>
+        <p:txBody>
+          <a:bodyPr vert="horz" lIns="91440" tIns="45720" rIns="91440" bIns="45720" rtlCol="0" anchor="b"/>
+          <a:lstStyle>
+            <a:lvl1pPr algn="r">
+              <a:defRPr sz="1200"/>
+            </a:lvl1pPr>
+          </a:lstStyle>
+          <a:p>
+            <a:fld id="{7D555F61-A593-8547-AF0A-C4045399F415}" type="slidenum">
+              <a:rPr lang="en-US" smtClean="0"/>
+              <a:t>‹#›</a:t>
+            </a:fld>
+            <a:endParaRPr lang="en-US"/>
+          </a:p>
+        </p:txBody>
+      </p:sp>
+    </p:spTree>
+    <p:extLst>
+      <p:ext uri="{BB962C8B-B14F-4D97-AF65-F5344CB8AC3E}">
+        <p14:creationId xmlns:p14="http://schemas.microsoft.com/office/powerpoint/2010/main" val="519546350"/>
+      </p:ext>
+    </p:extLst>
+  </p:cSld>
+  <p:clrMap bg1="lt1" tx1="dk1" bg2="lt2" tx2="dk2" accent1="accent1" accent2="accent2" accent3="accent3" accent4="accent4" accent5="accent5" accent6="accent6" hlink="hlink" folHlink="folHlink"/>
+  <p:notesStyle>
+    <a:lvl1pPr marL="0" algn="l" defTabSz="914400" rtl="0" eaLnBrk="1" latinLnBrk="0" hangingPunct="1">
+      <a:defRPr sz="1200" kern="1200">
+        <a:solidFill>
+          <a:schemeClr val="tx1"/>
+        </a:solidFill>
+        <a:latin typeface="+mn-lt"/>
+        <a:ea typeface="+mn-ea"/>
+        <a:cs typeface="+mn-cs"/>
+      </a:defRPr>
+    </a:lvl1pPr>
+    <a:lvl2pPr marL="457200" algn="l" defTabSz="914400" rtl="0" eaLnBrk="1" latinLnBrk="0" hangingPunct="1">
+      <a:defRPr sz="1200" kern="1200">
+        <a:solidFill>
+          <a:schemeClr val="tx1"/>
+        </a:solidFill>
+        <a:latin typeface="+mn-lt"/>
+        <a:ea typeface="+mn-ea"/>
+        <a:cs typeface="+mn-cs"/>
+      </a:defRPr>
+    </a:lvl2pPr>
+    <a:lvl3pPr marL="914400" algn="l" defTabSz="914400" rtl="0" eaLnBrk="1" latinLnBrk="0" hangingPunct="1">
+      <a:defRPr sz="1200" kern="1200">
+        <a:solidFill>
+          <a:schemeClr val="tx1"/>
+        </a:solidFill>
+        <a:latin typeface="+mn-lt"/>
+        <a:ea typeface="+mn-ea"/>
+        <a:cs typeface="+mn-cs"/>
+      </a:defRPr>
+    </a:lvl3pPr>
+    <a:lvl4pPr marL="1371600" algn="l" defTabSz="914400" rtl="0" eaLnBrk="1" latinLnBrk="0" hangingPunct="1">
+      <a:defRPr sz="1200" kern="1200">
+        <a:solidFill>
+          <a:schemeClr val="tx1"/>
+        </a:solidFill>
+        <a:latin typeface="+mn-lt"/>
+        <a:ea typeface="+mn-ea"/>
+        <a:cs typeface="+mn-cs"/>
+      </a:defRPr>
+    </a:lvl4pPr>
+    <a:lvl5pPr marL="1828800" algn="l" defTabSz="914400" rtl="0" eaLnBrk="1" latinLnBrk="0" hangingPunct="1">
+      <a:defRPr sz="1200" kern="1200">
+        <a:solidFill>
+          <a:schemeClr val="tx1"/>
+        </a:solidFill>
+        <a:latin typeface="+mn-lt"/>
+        <a:ea typeface="+mn-ea"/>
+        <a:cs typeface="+mn-cs"/>
+      </a:defRPr>
+    </a:lvl5pPr>
+    <a:lvl6pPr marL="2286000" algn="l" defTabSz="914400" rtl="0" eaLnBrk="1" latinLnBrk="0" hangingPunct="1">
+      <a:defRPr sz="1200" kern="1200">
+        <a:solidFill>
+          <a:schemeClr val="tx1"/>
+        </a:solidFill>
+        <a:latin typeface="+mn-lt"/>
+        <a:ea typeface="+mn-ea"/>
+        <a:cs typeface="+mn-cs"/>
+      </a:defRPr>
+    </a:lvl6pPr>
+    <a:lvl7pPr marL="2743200" algn="l" defTabSz="914400" rtl="0" eaLnBrk="1" latinLnBrk="0" hangingPunct="1">
+      <a:defRPr sz="1200" kern="1200">
+        <a:solidFill>
+          <a:schemeClr val="tx1"/>
+        </a:solidFill>
+        <a:latin typeface="+mn-lt"/>
+        <a:ea typeface="+mn-ea"/>
+        <a:cs typeface="+mn-cs"/>
+      </a:defRPr>
+    </a:lvl7pPr>
+    <a:lvl8pPr marL="3200400" algn="l" defTabSz="914400" rtl="0" eaLnBrk="1" latinLnBrk="0" hangingPunct="1">
+      <a:defRPr sz="1200" kern="1200">
+        <a:solidFill>
+          <a:schemeClr val="tx1"/>
+        </a:solidFill>
+        <a:latin typeface="+mn-lt"/>
+        <a:ea typeface="+mn-ea"/>
+        <a:cs typeface="+mn-cs"/>
+      </a:defRPr>
+    </a:lvl8pPr>
+    <a:lvl9pPr marL="3657600" algn="l" defTabSz="914400" rtl="0" eaLnBrk="1" latinLnBrk="0" hangingPunct="1">
+      <a:defRPr sz="1200" kern="1200">
+        <a:solidFill>
+          <a:schemeClr val="tx1"/>
+        </a:solidFill>
+        <a:latin typeface="+mn-lt"/>
+        <a:ea typeface="+mn-ea"/>
+        <a:cs typeface="+mn-cs"/>
+      </a:defRPr>
+    </a:lvl9pPr>
+  </p:notesStyle>
+</p:notesMaster>
+</file>
+
+<file path=ppt/notesSlides/notesSlide1.xml><?xml version="1.0" encoding="utf-8"?>
+<p:notes xmlns:a="http://schemas.openxmlformats.org/drawingml/2006/main" xmlns:r="http://schemas.openxmlformats.org/officeDocument/2006/relationships" xmlns:p="http://schemas.openxmlformats.org/presentationml/2006/main">
+  <p:cSld>
+    <p:spTree>
+      <p:nvGrpSpPr>
+        <p:cNvPr id="1" name=""/>
+        <p:cNvGrpSpPr/>
+        <p:nvPr/>
+      </p:nvGrpSpPr>
+      <p:grpSpPr>
+        <a:xfrm>
+          <a:off x="0" y="0"/>
+          <a:ext cx="0" cy="0"/>
+          <a:chOff x="0" y="0"/>
+          <a:chExt cx="0" cy="0"/>
+        </a:xfrm>
+      </p:grpSpPr>
+      <p:sp>
+        <p:nvSpPr>
+          <p:cNvPr id="2" name="Slide Image Placeholder 1"/>
+          <p:cNvSpPr>
+            <a:spLocks noGrp="1" noRot="1" noChangeAspect="1"/>
+          </p:cNvSpPr>
+          <p:nvPr>
+            <p:ph type="sldImg"/>
+          </p:nvPr>
+        </p:nvSpPr>
+        <p:spPr/>
+      </p:sp>
+      <p:sp>
+        <p:nvSpPr>
+          <p:cNvPr id="3" name="Notes Placeholder 2"/>
+          <p:cNvSpPr>
+            <a:spLocks noGrp="1"/>
+          </p:cNvSpPr>
+          <p:nvPr>
+            <p:ph type="body" idx="1"/>
+          </p:nvPr>
+        </p:nvSpPr>
+        <p:spPr/>
+        <p:txBody>
+          <a:bodyPr/>
+          <a:lstStyle/>
+          <a:p>
+            <a:endParaRPr lang="en-US" dirty="0"/>
+          </a:p>
+        </p:txBody>
+      </p:sp>
+      <p:sp>
+        <p:nvSpPr>
+          <p:cNvPr id="4" name="Slide Number Placeholder 3"/>
+          <p:cNvSpPr>
+            <a:spLocks noGrp="1"/>
+          </p:cNvSpPr>
+          <p:nvPr>
+            <p:ph type="sldNum" sz="quarter" idx="10"/>
+          </p:nvPr>
+        </p:nvSpPr>
+        <p:spPr/>
+        <p:txBody>
+          <a:bodyPr/>
+          <a:lstStyle/>
+          <a:p>
+            <a:fld id="{7D555F61-A593-8547-AF0A-C4045399F415}" type="slidenum">
+              <a:rPr lang="en-US" smtClean="0"/>
+              <a:t>6</a:t>
+            </a:fld>
+            <a:endParaRPr lang="en-US"/>
+          </a:p>
+        </p:txBody>
+      </p:sp>
+    </p:spTree>
+    <p:extLst>
+      <p:ext uri="{BB962C8B-B14F-4D97-AF65-F5344CB8AC3E}">
+        <p14:creationId xmlns:p14="http://schemas.microsoft.com/office/powerpoint/2010/main" val="346995748"/>
+      </p:ext>
+    </p:extLst>
+  </p:cSld>
+  <p:clrMapOvr>
+    <a:masterClrMapping/>
+  </p:clrMapOvr>
+</p:notes>
 </file>
 
 <file path=ppt/slideLayouts/slideLayout1.xml><?xml version="1.0" encoding="utf-8"?>
@@ -291,7 +746,7 @@
           <a:p>
             <a:fld id="{66908577-0DCB-E441-BBD1-D6AD9E032B09}" type="datetimeFigureOut">
               <a:rPr lang="en-US" smtClean="0"/>
-              <a:t>5/24/17</a:t>
+              <a:t>10/18/17</a:t>
             </a:fld>
             <a:endParaRPr lang="en-US"/>
           </a:p>
@@ -461,7 +916,7 @@
           <a:p>
             <a:fld id="{66908577-0DCB-E441-BBD1-D6AD9E032B09}" type="datetimeFigureOut">
               <a:rPr lang="en-US" smtClean="0"/>
-              <a:t>5/24/17</a:t>
+              <a:t>10/18/17</a:t>
             </a:fld>
             <a:endParaRPr lang="en-US"/>
           </a:p>
@@ -641,7 +1096,7 @@
           <a:p>
             <a:fld id="{66908577-0DCB-E441-BBD1-D6AD9E032B09}" type="datetimeFigureOut">
               <a:rPr lang="en-US" smtClean="0"/>
-              <a:t>5/24/17</a:t>
+              <a:t>10/18/17</a:t>
             </a:fld>
             <a:endParaRPr lang="en-US"/>
           </a:p>
@@ -811,7 +1266,7 @@
           <a:p>
             <a:fld id="{66908577-0DCB-E441-BBD1-D6AD9E032B09}" type="datetimeFigureOut">
               <a:rPr lang="en-US" smtClean="0"/>
-              <a:t>5/24/17</a:t>
+              <a:t>10/18/17</a:t>
             </a:fld>
             <a:endParaRPr lang="en-US"/>
           </a:p>
@@ -1057,7 +1512,7 @@
           <a:p>
             <a:fld id="{66908577-0DCB-E441-BBD1-D6AD9E032B09}" type="datetimeFigureOut">
               <a:rPr lang="en-US" smtClean="0"/>
-              <a:t>5/24/17</a:t>
+              <a:t>10/18/17</a:t>
             </a:fld>
             <a:endParaRPr lang="en-US"/>
           </a:p>
@@ -1345,7 +1800,7 @@
           <a:p>
             <a:fld id="{66908577-0DCB-E441-BBD1-D6AD9E032B09}" type="datetimeFigureOut">
               <a:rPr lang="en-US" smtClean="0"/>
-              <a:t>5/24/17</a:t>
+              <a:t>10/18/17</a:t>
             </a:fld>
             <a:endParaRPr lang="en-US"/>
           </a:p>
@@ -1767,7 +2222,7 @@
           <a:p>
             <a:fld id="{66908577-0DCB-E441-BBD1-D6AD9E032B09}" type="datetimeFigureOut">
               <a:rPr lang="en-US" smtClean="0"/>
-              <a:t>5/24/17</a:t>
+              <a:t>10/18/17</a:t>
             </a:fld>
             <a:endParaRPr lang="en-US"/>
           </a:p>
@@ -1885,7 +2340,7 @@
           <a:p>
             <a:fld id="{66908577-0DCB-E441-BBD1-D6AD9E032B09}" type="datetimeFigureOut">
               <a:rPr lang="en-US" smtClean="0"/>
-              <a:t>5/24/17</a:t>
+              <a:t>10/18/17</a:t>
             </a:fld>
             <a:endParaRPr lang="en-US"/>
           </a:p>
@@ -1980,7 +2435,7 @@
           <a:p>
             <a:fld id="{66908577-0DCB-E441-BBD1-D6AD9E032B09}" type="datetimeFigureOut">
               <a:rPr lang="en-US" smtClean="0"/>
-              <a:t>5/24/17</a:t>
+              <a:t>10/18/17</a:t>
             </a:fld>
             <a:endParaRPr lang="en-US"/>
           </a:p>
@@ -2257,7 +2712,7 @@
           <a:p>
             <a:fld id="{66908577-0DCB-E441-BBD1-D6AD9E032B09}" type="datetimeFigureOut">
               <a:rPr lang="en-US" smtClean="0"/>
-              <a:t>5/24/17</a:t>
+              <a:t>10/18/17</a:t>
             </a:fld>
             <a:endParaRPr lang="en-US"/>
           </a:p>
@@ -2510,7 +2965,7 @@
           <a:p>
             <a:fld id="{66908577-0DCB-E441-BBD1-D6AD9E032B09}" type="datetimeFigureOut">
               <a:rPr lang="en-US" smtClean="0"/>
-              <a:t>5/24/17</a:t>
+              <a:t>10/18/17</a:t>
             </a:fld>
             <a:endParaRPr lang="en-US"/>
           </a:p>
@@ -2723,7 +3178,7 @@
           <a:p>
             <a:fld id="{66908577-0DCB-E441-BBD1-D6AD9E032B09}" type="datetimeFigureOut">
               <a:rPr lang="en-US" smtClean="0"/>
-              <a:t>5/24/17</a:t>
+              <a:t>10/18/17</a:t>
             </a:fld>
             <a:endParaRPr lang="en-US"/>
           </a:p>
@@ -5343,6 +5798,1958 @@
     <p:extLst>
       <p:ext uri="{BB962C8B-B14F-4D97-AF65-F5344CB8AC3E}">
         <p14:creationId xmlns:p14="http://schemas.microsoft.com/office/powerpoint/2010/main" val="1286297300"/>
+      </p:ext>
+    </p:extLst>
+  </p:cSld>
+  <p:clrMapOvr>
+    <a:masterClrMapping/>
+  </p:clrMapOvr>
+</p:sld>
+</file>
+
+<file path=ppt/slides/slide5.xml><?xml version="1.0" encoding="utf-8"?>
+<p:sld xmlns:a="http://schemas.openxmlformats.org/drawingml/2006/main" xmlns:r="http://schemas.openxmlformats.org/officeDocument/2006/relationships" xmlns:p="http://schemas.openxmlformats.org/presentationml/2006/main">
+  <p:cSld>
+    <p:spTree>
+      <p:nvGrpSpPr>
+        <p:cNvPr id="1" name=""/>
+        <p:cNvGrpSpPr/>
+        <p:nvPr/>
+      </p:nvGrpSpPr>
+      <p:grpSpPr>
+        <a:xfrm>
+          <a:off x="0" y="0"/>
+          <a:ext cx="0" cy="0"/>
+          <a:chOff x="0" y="0"/>
+          <a:chExt cx="0" cy="0"/>
+        </a:xfrm>
+      </p:grpSpPr>
+      <p:cxnSp>
+        <p:nvCxnSpPr>
+          <p:cNvPr id="4" name="Straight Arrow Connector 3"/>
+          <p:cNvCxnSpPr/>
+          <p:nvPr/>
+        </p:nvCxnSpPr>
+        <p:spPr>
+          <a:xfrm flipV="1">
+            <a:off x="821803" y="1270322"/>
+            <a:ext cx="0" cy="3923818"/>
+          </a:xfrm>
+          <a:prstGeom prst="straightConnector1">
+            <a:avLst/>
+          </a:prstGeom>
+          <a:ln>
+            <a:solidFill>
+              <a:schemeClr val="tx1"/>
+            </a:solidFill>
+            <a:tailEnd type="triangle"/>
+          </a:ln>
+        </p:spPr>
+        <p:style>
+          <a:lnRef idx="1">
+            <a:schemeClr val="accent1"/>
+          </a:lnRef>
+          <a:fillRef idx="0">
+            <a:schemeClr val="accent1"/>
+          </a:fillRef>
+          <a:effectRef idx="0">
+            <a:schemeClr val="accent1"/>
+          </a:effectRef>
+          <a:fontRef idx="minor">
+            <a:schemeClr val="tx1"/>
+          </a:fontRef>
+        </p:style>
+      </p:cxnSp>
+      <p:cxnSp>
+        <p:nvCxnSpPr>
+          <p:cNvPr id="5" name="Straight Arrow Connector 4"/>
+          <p:cNvCxnSpPr/>
+          <p:nvPr/>
+        </p:nvCxnSpPr>
+        <p:spPr>
+          <a:xfrm flipV="1">
+            <a:off x="154329" y="4572000"/>
+            <a:ext cx="4558496" cy="1931"/>
+          </a:xfrm>
+          <a:prstGeom prst="straightConnector1">
+            <a:avLst/>
+          </a:prstGeom>
+          <a:ln>
+            <a:solidFill>
+              <a:schemeClr val="tx1"/>
+            </a:solidFill>
+            <a:tailEnd type="triangle"/>
+          </a:ln>
+        </p:spPr>
+        <p:style>
+          <a:lnRef idx="1">
+            <a:schemeClr val="accent1"/>
+          </a:lnRef>
+          <a:fillRef idx="0">
+            <a:schemeClr val="accent1"/>
+          </a:fillRef>
+          <a:effectRef idx="0">
+            <a:schemeClr val="accent1"/>
+          </a:effectRef>
+          <a:fontRef idx="minor">
+            <a:schemeClr val="tx1"/>
+          </a:fontRef>
+        </p:style>
+      </p:cxnSp>
+      <p:grpSp>
+        <p:nvGrpSpPr>
+          <p:cNvPr id="6" name="Group 5"/>
+          <p:cNvGrpSpPr/>
+          <p:nvPr/>
+        </p:nvGrpSpPr>
+        <p:grpSpPr>
+          <a:xfrm>
+            <a:off x="154329" y="2054506"/>
+            <a:ext cx="4558496" cy="1888119"/>
+            <a:chOff x="617316" y="2355448"/>
+            <a:chExt cx="4558496" cy="1888119"/>
+          </a:xfrm>
+        </p:grpSpPr>
+        <p:cxnSp>
+          <p:nvCxnSpPr>
+            <p:cNvPr id="7" name="Straight Connector 6"/>
+            <p:cNvCxnSpPr/>
+            <p:nvPr/>
+          </p:nvCxnSpPr>
+          <p:spPr>
+            <a:xfrm>
+              <a:off x="617316" y="4243567"/>
+              <a:ext cx="4558496" cy="0"/>
+            </a:xfrm>
+            <a:prstGeom prst="line">
+              <a:avLst/>
+            </a:prstGeom>
+            <a:ln>
+              <a:prstDash val="dash"/>
+            </a:ln>
+          </p:spPr>
+          <p:style>
+            <a:lnRef idx="1">
+              <a:schemeClr val="accent1"/>
+            </a:lnRef>
+            <a:fillRef idx="0">
+              <a:schemeClr val="accent1"/>
+            </a:fillRef>
+            <a:effectRef idx="0">
+              <a:schemeClr val="accent1"/>
+            </a:effectRef>
+            <a:fontRef idx="minor">
+              <a:schemeClr val="tx1"/>
+            </a:fontRef>
+          </p:style>
+        </p:cxnSp>
+        <p:cxnSp>
+          <p:nvCxnSpPr>
+            <p:cNvPr id="8" name="Straight Connector 7"/>
+            <p:cNvCxnSpPr/>
+            <p:nvPr/>
+          </p:nvCxnSpPr>
+          <p:spPr>
+            <a:xfrm>
+              <a:off x="617316" y="3614194"/>
+              <a:ext cx="4558496" cy="0"/>
+            </a:xfrm>
+            <a:prstGeom prst="line">
+              <a:avLst/>
+            </a:prstGeom>
+            <a:ln>
+              <a:prstDash val="dash"/>
+            </a:ln>
+          </p:spPr>
+          <p:style>
+            <a:lnRef idx="1">
+              <a:schemeClr val="accent1"/>
+            </a:lnRef>
+            <a:fillRef idx="0">
+              <a:schemeClr val="accent1"/>
+            </a:fillRef>
+            <a:effectRef idx="0">
+              <a:schemeClr val="accent1"/>
+            </a:effectRef>
+            <a:fontRef idx="minor">
+              <a:schemeClr val="tx1"/>
+            </a:fontRef>
+          </p:style>
+        </p:cxnSp>
+        <p:cxnSp>
+          <p:nvCxnSpPr>
+            <p:cNvPr id="9" name="Straight Connector 8"/>
+            <p:cNvCxnSpPr/>
+            <p:nvPr/>
+          </p:nvCxnSpPr>
+          <p:spPr>
+            <a:xfrm>
+              <a:off x="617316" y="2984821"/>
+              <a:ext cx="4558496" cy="0"/>
+            </a:xfrm>
+            <a:prstGeom prst="line">
+              <a:avLst/>
+            </a:prstGeom>
+            <a:ln>
+              <a:prstDash val="dash"/>
+            </a:ln>
+          </p:spPr>
+          <p:style>
+            <a:lnRef idx="1">
+              <a:schemeClr val="accent1"/>
+            </a:lnRef>
+            <a:fillRef idx="0">
+              <a:schemeClr val="accent1"/>
+            </a:fillRef>
+            <a:effectRef idx="0">
+              <a:schemeClr val="accent1"/>
+            </a:effectRef>
+            <a:fontRef idx="minor">
+              <a:schemeClr val="tx1"/>
+            </a:fontRef>
+          </p:style>
+        </p:cxnSp>
+        <p:cxnSp>
+          <p:nvCxnSpPr>
+            <p:cNvPr id="10" name="Straight Connector 9"/>
+            <p:cNvCxnSpPr/>
+            <p:nvPr/>
+          </p:nvCxnSpPr>
+          <p:spPr>
+            <a:xfrm>
+              <a:off x="617316" y="2355448"/>
+              <a:ext cx="4558496" cy="0"/>
+            </a:xfrm>
+            <a:prstGeom prst="line">
+              <a:avLst/>
+            </a:prstGeom>
+            <a:ln>
+              <a:prstDash val="dash"/>
+            </a:ln>
+          </p:spPr>
+          <p:style>
+            <a:lnRef idx="1">
+              <a:schemeClr val="accent1"/>
+            </a:lnRef>
+            <a:fillRef idx="0">
+              <a:schemeClr val="accent1"/>
+            </a:fillRef>
+            <a:effectRef idx="0">
+              <a:schemeClr val="accent1"/>
+            </a:effectRef>
+            <a:fontRef idx="minor">
+              <a:schemeClr val="tx1"/>
+            </a:fontRef>
+          </p:style>
+        </p:cxnSp>
+      </p:grpSp>
+      <p:grpSp>
+        <p:nvGrpSpPr>
+          <p:cNvPr id="11" name="Group 10"/>
+          <p:cNvGrpSpPr/>
+          <p:nvPr/>
+        </p:nvGrpSpPr>
+        <p:grpSpPr>
+          <a:xfrm>
+            <a:off x="1808545" y="1270322"/>
+            <a:ext cx="1973484" cy="3923818"/>
+            <a:chOff x="2271532" y="1469985"/>
+            <a:chExt cx="1973484" cy="4025097"/>
+          </a:xfrm>
+        </p:grpSpPr>
+        <p:cxnSp>
+          <p:nvCxnSpPr>
+            <p:cNvPr id="12" name="Straight Connector 11"/>
+            <p:cNvCxnSpPr/>
+            <p:nvPr/>
+          </p:nvCxnSpPr>
+          <p:spPr>
+            <a:xfrm flipV="1">
+              <a:off x="2271532" y="1469985"/>
+              <a:ext cx="0" cy="4025097"/>
+            </a:xfrm>
+            <a:prstGeom prst="line">
+              <a:avLst/>
+            </a:prstGeom>
+            <a:ln>
+              <a:prstDash val="dash"/>
+            </a:ln>
+          </p:spPr>
+          <p:style>
+            <a:lnRef idx="1">
+              <a:schemeClr val="accent1"/>
+            </a:lnRef>
+            <a:fillRef idx="0">
+              <a:schemeClr val="accent1"/>
+            </a:fillRef>
+            <a:effectRef idx="0">
+              <a:schemeClr val="accent1"/>
+            </a:effectRef>
+            <a:fontRef idx="minor">
+              <a:schemeClr val="tx1"/>
+            </a:fontRef>
+          </p:style>
+        </p:cxnSp>
+        <p:cxnSp>
+          <p:nvCxnSpPr>
+            <p:cNvPr id="13" name="Straight Connector 12"/>
+            <p:cNvCxnSpPr/>
+            <p:nvPr/>
+          </p:nvCxnSpPr>
+          <p:spPr>
+            <a:xfrm flipV="1">
+              <a:off x="3258274" y="1469985"/>
+              <a:ext cx="0" cy="4025097"/>
+            </a:xfrm>
+            <a:prstGeom prst="line">
+              <a:avLst/>
+            </a:prstGeom>
+            <a:ln>
+              <a:prstDash val="dash"/>
+            </a:ln>
+          </p:spPr>
+          <p:style>
+            <a:lnRef idx="1">
+              <a:schemeClr val="accent1"/>
+            </a:lnRef>
+            <a:fillRef idx="0">
+              <a:schemeClr val="accent1"/>
+            </a:fillRef>
+            <a:effectRef idx="0">
+              <a:schemeClr val="accent1"/>
+            </a:effectRef>
+            <a:fontRef idx="minor">
+              <a:schemeClr val="tx1"/>
+            </a:fontRef>
+          </p:style>
+        </p:cxnSp>
+        <p:cxnSp>
+          <p:nvCxnSpPr>
+            <p:cNvPr id="14" name="Straight Connector 13"/>
+            <p:cNvCxnSpPr/>
+            <p:nvPr/>
+          </p:nvCxnSpPr>
+          <p:spPr>
+            <a:xfrm flipV="1">
+              <a:off x="4245016" y="1469985"/>
+              <a:ext cx="0" cy="4025097"/>
+            </a:xfrm>
+            <a:prstGeom prst="line">
+              <a:avLst/>
+            </a:prstGeom>
+            <a:ln>
+              <a:prstDash val="dash"/>
+            </a:ln>
+          </p:spPr>
+          <p:style>
+            <a:lnRef idx="1">
+              <a:schemeClr val="accent1"/>
+            </a:lnRef>
+            <a:fillRef idx="0">
+              <a:schemeClr val="accent1"/>
+            </a:fillRef>
+            <a:effectRef idx="0">
+              <a:schemeClr val="accent1"/>
+            </a:effectRef>
+            <a:fontRef idx="minor">
+              <a:schemeClr val="tx1"/>
+            </a:fontRef>
+          </p:style>
+        </p:cxnSp>
+      </p:grpSp>
+      <p:cxnSp>
+        <p:nvCxnSpPr>
+          <p:cNvPr id="15" name="Straight Arrow Connector 14"/>
+          <p:cNvCxnSpPr/>
+          <p:nvPr/>
+        </p:nvCxnSpPr>
+        <p:spPr>
+          <a:xfrm flipH="1" flipV="1">
+            <a:off x="1808545" y="2683879"/>
+            <a:ext cx="413795" cy="348688"/>
+          </a:xfrm>
+          <a:prstGeom prst="straightConnector1">
+            <a:avLst/>
+          </a:prstGeom>
+          <a:ln>
+            <a:solidFill>
+              <a:schemeClr val="tx1"/>
+            </a:solidFill>
+            <a:tailEnd type="triangle"/>
+          </a:ln>
+        </p:spPr>
+        <p:style>
+          <a:lnRef idx="1">
+            <a:schemeClr val="accent1"/>
+          </a:lnRef>
+          <a:fillRef idx="0">
+            <a:schemeClr val="accent1"/>
+          </a:fillRef>
+          <a:effectRef idx="0">
+            <a:schemeClr val="accent1"/>
+          </a:effectRef>
+          <a:fontRef idx="minor">
+            <a:schemeClr val="tx1"/>
+          </a:fontRef>
+        </p:style>
+      </p:cxnSp>
+      <p:sp>
+        <p:nvSpPr>
+          <p:cNvPr id="16" name="TextBox 15"/>
+          <p:cNvSpPr txBox="1"/>
+          <p:nvPr/>
+        </p:nvSpPr>
+        <p:spPr>
+          <a:xfrm>
+            <a:off x="2141316" y="2963117"/>
+            <a:ext cx="1307939" cy="369332"/>
+          </a:xfrm>
+          <a:prstGeom prst="rect">
+            <a:avLst/>
+          </a:prstGeom>
+          <a:noFill/>
+        </p:spPr>
+        <p:txBody>
+          <a:bodyPr wrap="square" rtlCol="0">
+            <a:spAutoFit/>
+          </a:bodyPr>
+          <a:lstStyle/>
+          <a:p>
+            <a:r>
+              <a:rPr lang="en-US" smtClean="0"/>
+              <a:t>(1,3)</a:t>
+            </a:r>
+            <a:endParaRPr lang="en-US"/>
+          </a:p>
+        </p:txBody>
+      </p:sp>
+      <p:sp>
+        <p:nvSpPr>
+          <p:cNvPr id="17" name="TextBox 16"/>
+          <p:cNvSpPr txBox="1"/>
+          <p:nvPr/>
+        </p:nvSpPr>
+        <p:spPr>
+          <a:xfrm>
+            <a:off x="2795285" y="4779761"/>
+            <a:ext cx="1307939" cy="369332"/>
+          </a:xfrm>
+          <a:prstGeom prst="rect">
+            <a:avLst/>
+          </a:prstGeom>
+          <a:noFill/>
+        </p:spPr>
+        <p:txBody>
+          <a:bodyPr wrap="square" rtlCol="0">
+            <a:spAutoFit/>
+          </a:bodyPr>
+          <a:lstStyle/>
+          <a:p>
+            <a:r>
+              <a:rPr lang="en-US" i="1" dirty="0" err="1" smtClean="0"/>
+              <a:t>mygrid</a:t>
+            </a:r>
+            <a:endParaRPr lang="en-US" i="1" dirty="0"/>
+          </a:p>
+        </p:txBody>
+      </p:sp>
+      <p:cxnSp>
+        <p:nvCxnSpPr>
+          <p:cNvPr id="18" name="Straight Arrow Connector 17"/>
+          <p:cNvCxnSpPr/>
+          <p:nvPr/>
+        </p:nvCxnSpPr>
+        <p:spPr>
+          <a:xfrm flipV="1">
+            <a:off x="5953246" y="1225275"/>
+            <a:ext cx="0" cy="3923818"/>
+          </a:xfrm>
+          <a:prstGeom prst="straightConnector1">
+            <a:avLst/>
+          </a:prstGeom>
+          <a:ln>
+            <a:solidFill>
+              <a:schemeClr val="tx1"/>
+            </a:solidFill>
+            <a:tailEnd type="triangle"/>
+          </a:ln>
+        </p:spPr>
+        <p:style>
+          <a:lnRef idx="1">
+            <a:schemeClr val="accent1"/>
+          </a:lnRef>
+          <a:fillRef idx="0">
+            <a:schemeClr val="accent1"/>
+          </a:fillRef>
+          <a:effectRef idx="0">
+            <a:schemeClr val="accent1"/>
+          </a:effectRef>
+          <a:fontRef idx="minor">
+            <a:schemeClr val="tx1"/>
+          </a:fontRef>
+        </p:style>
+      </p:cxnSp>
+      <p:cxnSp>
+        <p:nvCxnSpPr>
+          <p:cNvPr id="19" name="Straight Arrow Connector 18"/>
+          <p:cNvCxnSpPr/>
+          <p:nvPr/>
+        </p:nvCxnSpPr>
+        <p:spPr>
+          <a:xfrm flipV="1">
+            <a:off x="5285772" y="4526953"/>
+            <a:ext cx="4558496" cy="1931"/>
+          </a:xfrm>
+          <a:prstGeom prst="straightConnector1">
+            <a:avLst/>
+          </a:prstGeom>
+          <a:ln>
+            <a:solidFill>
+              <a:schemeClr val="tx1"/>
+            </a:solidFill>
+            <a:tailEnd type="triangle"/>
+          </a:ln>
+        </p:spPr>
+        <p:style>
+          <a:lnRef idx="1">
+            <a:schemeClr val="accent1"/>
+          </a:lnRef>
+          <a:fillRef idx="0">
+            <a:schemeClr val="accent1"/>
+          </a:fillRef>
+          <a:effectRef idx="0">
+            <a:schemeClr val="accent1"/>
+          </a:effectRef>
+          <a:fontRef idx="minor">
+            <a:schemeClr val="tx1"/>
+          </a:fontRef>
+        </p:style>
+      </p:cxnSp>
+      <p:grpSp>
+        <p:nvGrpSpPr>
+          <p:cNvPr id="20" name="Group 19"/>
+          <p:cNvGrpSpPr/>
+          <p:nvPr/>
+        </p:nvGrpSpPr>
+        <p:grpSpPr>
+          <a:xfrm>
+            <a:off x="5285772" y="2009459"/>
+            <a:ext cx="4558496" cy="1888119"/>
+            <a:chOff x="617316" y="2355448"/>
+            <a:chExt cx="4558496" cy="1888119"/>
+          </a:xfrm>
+        </p:grpSpPr>
+        <p:cxnSp>
+          <p:nvCxnSpPr>
+            <p:cNvPr id="21" name="Straight Connector 20"/>
+            <p:cNvCxnSpPr/>
+            <p:nvPr/>
+          </p:nvCxnSpPr>
+          <p:spPr>
+            <a:xfrm>
+              <a:off x="617316" y="4243567"/>
+              <a:ext cx="4558496" cy="0"/>
+            </a:xfrm>
+            <a:prstGeom prst="line">
+              <a:avLst/>
+            </a:prstGeom>
+            <a:ln>
+              <a:prstDash val="dash"/>
+            </a:ln>
+          </p:spPr>
+          <p:style>
+            <a:lnRef idx="1">
+              <a:schemeClr val="accent1"/>
+            </a:lnRef>
+            <a:fillRef idx="0">
+              <a:schemeClr val="accent1"/>
+            </a:fillRef>
+            <a:effectRef idx="0">
+              <a:schemeClr val="accent1"/>
+            </a:effectRef>
+            <a:fontRef idx="minor">
+              <a:schemeClr val="tx1"/>
+            </a:fontRef>
+          </p:style>
+        </p:cxnSp>
+        <p:cxnSp>
+          <p:nvCxnSpPr>
+            <p:cNvPr id="22" name="Straight Connector 21"/>
+            <p:cNvCxnSpPr/>
+            <p:nvPr/>
+          </p:nvCxnSpPr>
+          <p:spPr>
+            <a:xfrm>
+              <a:off x="617316" y="3614194"/>
+              <a:ext cx="4558496" cy="0"/>
+            </a:xfrm>
+            <a:prstGeom prst="line">
+              <a:avLst/>
+            </a:prstGeom>
+            <a:ln>
+              <a:prstDash val="dash"/>
+            </a:ln>
+          </p:spPr>
+          <p:style>
+            <a:lnRef idx="1">
+              <a:schemeClr val="accent1"/>
+            </a:lnRef>
+            <a:fillRef idx="0">
+              <a:schemeClr val="accent1"/>
+            </a:fillRef>
+            <a:effectRef idx="0">
+              <a:schemeClr val="accent1"/>
+            </a:effectRef>
+            <a:fontRef idx="minor">
+              <a:schemeClr val="tx1"/>
+            </a:fontRef>
+          </p:style>
+        </p:cxnSp>
+        <p:cxnSp>
+          <p:nvCxnSpPr>
+            <p:cNvPr id="23" name="Straight Connector 22"/>
+            <p:cNvCxnSpPr/>
+            <p:nvPr/>
+          </p:nvCxnSpPr>
+          <p:spPr>
+            <a:xfrm>
+              <a:off x="617316" y="2984821"/>
+              <a:ext cx="4558496" cy="0"/>
+            </a:xfrm>
+            <a:prstGeom prst="line">
+              <a:avLst/>
+            </a:prstGeom>
+            <a:ln>
+              <a:prstDash val="dash"/>
+            </a:ln>
+          </p:spPr>
+          <p:style>
+            <a:lnRef idx="1">
+              <a:schemeClr val="accent1"/>
+            </a:lnRef>
+            <a:fillRef idx="0">
+              <a:schemeClr val="accent1"/>
+            </a:fillRef>
+            <a:effectRef idx="0">
+              <a:schemeClr val="accent1"/>
+            </a:effectRef>
+            <a:fontRef idx="minor">
+              <a:schemeClr val="tx1"/>
+            </a:fontRef>
+          </p:style>
+        </p:cxnSp>
+        <p:cxnSp>
+          <p:nvCxnSpPr>
+            <p:cNvPr id="24" name="Straight Connector 23"/>
+            <p:cNvCxnSpPr/>
+            <p:nvPr/>
+          </p:nvCxnSpPr>
+          <p:spPr>
+            <a:xfrm>
+              <a:off x="617316" y="2355448"/>
+              <a:ext cx="4558496" cy="0"/>
+            </a:xfrm>
+            <a:prstGeom prst="line">
+              <a:avLst/>
+            </a:prstGeom>
+            <a:ln>
+              <a:prstDash val="dash"/>
+            </a:ln>
+          </p:spPr>
+          <p:style>
+            <a:lnRef idx="1">
+              <a:schemeClr val="accent1"/>
+            </a:lnRef>
+            <a:fillRef idx="0">
+              <a:schemeClr val="accent1"/>
+            </a:fillRef>
+            <a:effectRef idx="0">
+              <a:schemeClr val="accent1"/>
+            </a:effectRef>
+            <a:fontRef idx="minor">
+              <a:schemeClr val="tx1"/>
+            </a:fontRef>
+          </p:style>
+        </p:cxnSp>
+      </p:grpSp>
+      <p:grpSp>
+        <p:nvGrpSpPr>
+          <p:cNvPr id="25" name="Group 24"/>
+          <p:cNvGrpSpPr/>
+          <p:nvPr/>
+        </p:nvGrpSpPr>
+        <p:grpSpPr>
+          <a:xfrm>
+            <a:off x="6939988" y="1225275"/>
+            <a:ext cx="1973484" cy="3923818"/>
+            <a:chOff x="2271532" y="1469985"/>
+            <a:chExt cx="1973484" cy="4025097"/>
+          </a:xfrm>
+        </p:grpSpPr>
+        <p:cxnSp>
+          <p:nvCxnSpPr>
+            <p:cNvPr id="26" name="Straight Connector 25"/>
+            <p:cNvCxnSpPr/>
+            <p:nvPr/>
+          </p:nvCxnSpPr>
+          <p:spPr>
+            <a:xfrm flipV="1">
+              <a:off x="2271532" y="1469985"/>
+              <a:ext cx="0" cy="4025097"/>
+            </a:xfrm>
+            <a:prstGeom prst="line">
+              <a:avLst/>
+            </a:prstGeom>
+            <a:ln>
+              <a:prstDash val="dash"/>
+            </a:ln>
+          </p:spPr>
+          <p:style>
+            <a:lnRef idx="1">
+              <a:schemeClr val="accent1"/>
+            </a:lnRef>
+            <a:fillRef idx="0">
+              <a:schemeClr val="accent1"/>
+            </a:fillRef>
+            <a:effectRef idx="0">
+              <a:schemeClr val="accent1"/>
+            </a:effectRef>
+            <a:fontRef idx="minor">
+              <a:schemeClr val="tx1"/>
+            </a:fontRef>
+          </p:style>
+        </p:cxnSp>
+        <p:cxnSp>
+          <p:nvCxnSpPr>
+            <p:cNvPr id="27" name="Straight Connector 26"/>
+            <p:cNvCxnSpPr/>
+            <p:nvPr/>
+          </p:nvCxnSpPr>
+          <p:spPr>
+            <a:xfrm flipV="1">
+              <a:off x="3258274" y="1469985"/>
+              <a:ext cx="0" cy="4025097"/>
+            </a:xfrm>
+            <a:prstGeom prst="line">
+              <a:avLst/>
+            </a:prstGeom>
+            <a:ln>
+              <a:prstDash val="dash"/>
+            </a:ln>
+          </p:spPr>
+          <p:style>
+            <a:lnRef idx="1">
+              <a:schemeClr val="accent1"/>
+            </a:lnRef>
+            <a:fillRef idx="0">
+              <a:schemeClr val="accent1"/>
+            </a:fillRef>
+            <a:effectRef idx="0">
+              <a:schemeClr val="accent1"/>
+            </a:effectRef>
+            <a:fontRef idx="minor">
+              <a:schemeClr val="tx1"/>
+            </a:fontRef>
+          </p:style>
+        </p:cxnSp>
+        <p:cxnSp>
+          <p:nvCxnSpPr>
+            <p:cNvPr id="28" name="Straight Connector 27"/>
+            <p:cNvCxnSpPr/>
+            <p:nvPr/>
+          </p:nvCxnSpPr>
+          <p:spPr>
+            <a:xfrm flipV="1">
+              <a:off x="4245016" y="1469985"/>
+              <a:ext cx="0" cy="4025097"/>
+            </a:xfrm>
+            <a:prstGeom prst="line">
+              <a:avLst/>
+            </a:prstGeom>
+            <a:ln>
+              <a:prstDash val="dash"/>
+            </a:ln>
+          </p:spPr>
+          <p:style>
+            <a:lnRef idx="1">
+              <a:schemeClr val="accent1"/>
+            </a:lnRef>
+            <a:fillRef idx="0">
+              <a:schemeClr val="accent1"/>
+            </a:fillRef>
+            <a:effectRef idx="0">
+              <a:schemeClr val="accent1"/>
+            </a:effectRef>
+            <a:fontRef idx="minor">
+              <a:schemeClr val="tx1"/>
+            </a:fontRef>
+          </p:style>
+        </p:cxnSp>
+      </p:grpSp>
+      <p:sp>
+        <p:nvSpPr>
+          <p:cNvPr id="29" name="Rectangle 28"/>
+          <p:cNvSpPr/>
+          <p:nvPr/>
+        </p:nvSpPr>
+        <p:spPr>
+          <a:xfrm flipV="1">
+            <a:off x="6939988" y="2638832"/>
+            <a:ext cx="1973484" cy="1888121"/>
+          </a:xfrm>
+          <a:prstGeom prst="rect">
+            <a:avLst/>
+          </a:prstGeom>
+        </p:spPr>
+        <p:style>
+          <a:lnRef idx="2">
+            <a:schemeClr val="accent1">
+              <a:shade val="50000"/>
+            </a:schemeClr>
+          </a:lnRef>
+          <a:fillRef idx="1">
+            <a:schemeClr val="accent1"/>
+          </a:fillRef>
+          <a:effectRef idx="0">
+            <a:schemeClr val="accent1"/>
+          </a:effectRef>
+          <a:fontRef idx="minor">
+            <a:schemeClr val="lt1"/>
+          </a:fontRef>
+        </p:style>
+        <p:txBody>
+          <a:bodyPr rtlCol="0" anchor="ctr"/>
+          <a:lstStyle/>
+          <a:p>
+            <a:pPr algn="ctr"/>
+            <a:r>
+              <a:rPr lang="en-US" dirty="0" smtClean="0"/>
+              <a:t>inst0</a:t>
+            </a:r>
+            <a:endParaRPr lang="en-US" dirty="0"/>
+          </a:p>
+        </p:txBody>
+      </p:sp>
+      <p:cxnSp>
+        <p:nvCxnSpPr>
+          <p:cNvPr id="30" name="Straight Arrow Connector 29"/>
+          <p:cNvCxnSpPr/>
+          <p:nvPr/>
+        </p:nvCxnSpPr>
+        <p:spPr>
+          <a:xfrm flipH="1">
+            <a:off x="6939988" y="2433002"/>
+            <a:ext cx="286473" cy="214994"/>
+          </a:xfrm>
+          <a:prstGeom prst="straightConnector1">
+            <a:avLst/>
+          </a:prstGeom>
+          <a:ln>
+            <a:solidFill>
+              <a:schemeClr val="tx1"/>
+            </a:solidFill>
+            <a:tailEnd type="triangle"/>
+          </a:ln>
+        </p:spPr>
+        <p:style>
+          <a:lnRef idx="1">
+            <a:schemeClr val="accent1"/>
+          </a:lnRef>
+          <a:fillRef idx="0">
+            <a:schemeClr val="accent1"/>
+          </a:fillRef>
+          <a:effectRef idx="0">
+            <a:schemeClr val="accent1"/>
+          </a:effectRef>
+          <a:fontRef idx="minor">
+            <a:schemeClr val="tx1"/>
+          </a:fontRef>
+        </p:style>
+      </p:cxnSp>
+      <p:sp>
+        <p:nvSpPr>
+          <p:cNvPr id="31" name="TextBox 30"/>
+          <p:cNvSpPr txBox="1"/>
+          <p:nvPr/>
+        </p:nvSpPr>
+        <p:spPr>
+          <a:xfrm>
+            <a:off x="7226461" y="2224453"/>
+            <a:ext cx="1307939" cy="369332"/>
+          </a:xfrm>
+          <a:prstGeom prst="rect">
+            <a:avLst/>
+          </a:prstGeom>
+          <a:noFill/>
+        </p:spPr>
+        <p:txBody>
+          <a:bodyPr wrap="square" rtlCol="0">
+            <a:spAutoFit/>
+          </a:bodyPr>
+          <a:lstStyle/>
+          <a:p>
+            <a:r>
+              <a:rPr lang="en-US" smtClean="0"/>
+              <a:t>(1,3)</a:t>
+            </a:r>
+            <a:endParaRPr lang="en-US"/>
+          </a:p>
+        </p:txBody>
+      </p:sp>
+      <p:sp>
+        <p:nvSpPr>
+          <p:cNvPr id="32" name="TextBox 31"/>
+          <p:cNvSpPr txBox="1"/>
+          <p:nvPr/>
+        </p:nvSpPr>
+        <p:spPr>
+          <a:xfrm>
+            <a:off x="7926728" y="4734714"/>
+            <a:ext cx="1307939" cy="369332"/>
+          </a:xfrm>
+          <a:prstGeom prst="rect">
+            <a:avLst/>
+          </a:prstGeom>
+          <a:noFill/>
+        </p:spPr>
+        <p:txBody>
+          <a:bodyPr wrap="square" rtlCol="0">
+            <a:spAutoFit/>
+          </a:bodyPr>
+          <a:lstStyle/>
+          <a:p>
+            <a:r>
+              <a:rPr lang="en-US" i="1" dirty="0" err="1" smtClean="0"/>
+              <a:t>mygrid</a:t>
+            </a:r>
+            <a:endParaRPr lang="en-US" i="1" dirty="0"/>
+          </a:p>
+        </p:txBody>
+      </p:sp>
+      <p:sp>
+        <p:nvSpPr>
+          <p:cNvPr id="33" name="Rectangle 32"/>
+          <p:cNvSpPr/>
+          <p:nvPr/>
+        </p:nvSpPr>
+        <p:spPr>
+          <a:xfrm>
+            <a:off x="1808544" y="791176"/>
+            <a:ext cx="1973484" cy="1888121"/>
+          </a:xfrm>
+          <a:prstGeom prst="rect">
+            <a:avLst/>
+          </a:prstGeom>
+        </p:spPr>
+        <p:style>
+          <a:lnRef idx="2">
+            <a:schemeClr val="accent1">
+              <a:shade val="50000"/>
+            </a:schemeClr>
+          </a:lnRef>
+          <a:fillRef idx="1">
+            <a:schemeClr val="accent1"/>
+          </a:fillRef>
+          <a:effectRef idx="0">
+            <a:schemeClr val="accent1"/>
+          </a:effectRef>
+          <a:fontRef idx="minor">
+            <a:schemeClr val="lt1"/>
+          </a:fontRef>
+        </p:style>
+        <p:txBody>
+          <a:bodyPr rtlCol="0" anchor="ctr"/>
+          <a:lstStyle/>
+          <a:p>
+            <a:pPr algn="ctr"/>
+            <a:r>
+              <a:rPr lang="en-US" dirty="0" smtClean="0"/>
+              <a:t>inst0</a:t>
+            </a:r>
+            <a:endParaRPr lang="en-US" dirty="0"/>
+          </a:p>
+        </p:txBody>
+      </p:sp>
+    </p:spTree>
+    <p:extLst>
+      <p:ext uri="{BB962C8B-B14F-4D97-AF65-F5344CB8AC3E}">
+        <p14:creationId xmlns:p14="http://schemas.microsoft.com/office/powerpoint/2010/main" val="1191798866"/>
+      </p:ext>
+    </p:extLst>
+  </p:cSld>
+  <p:clrMapOvr>
+    <a:masterClrMapping/>
+  </p:clrMapOvr>
+</p:sld>
+</file>
+
+<file path=ppt/slides/slide6.xml><?xml version="1.0" encoding="utf-8"?>
+<p:sld xmlns:a="http://schemas.openxmlformats.org/drawingml/2006/main" xmlns:r="http://schemas.openxmlformats.org/officeDocument/2006/relationships" xmlns:p="http://schemas.openxmlformats.org/presentationml/2006/main">
+  <p:cSld>
+    <p:spTree>
+      <p:nvGrpSpPr>
+        <p:cNvPr id="1" name=""/>
+        <p:cNvGrpSpPr/>
+        <p:nvPr/>
+      </p:nvGrpSpPr>
+      <p:grpSpPr>
+        <a:xfrm>
+          <a:off x="0" y="0"/>
+          <a:ext cx="0" cy="0"/>
+          <a:chOff x="0" y="0"/>
+          <a:chExt cx="0" cy="0"/>
+        </a:xfrm>
+      </p:grpSpPr>
+      <p:cxnSp>
+        <p:nvCxnSpPr>
+          <p:cNvPr id="4" name="Straight Arrow Connector 3"/>
+          <p:cNvCxnSpPr/>
+          <p:nvPr/>
+        </p:nvCxnSpPr>
+        <p:spPr>
+          <a:xfrm flipV="1">
+            <a:off x="821803" y="1270322"/>
+            <a:ext cx="0" cy="3923818"/>
+          </a:xfrm>
+          <a:prstGeom prst="straightConnector1">
+            <a:avLst/>
+          </a:prstGeom>
+          <a:ln>
+            <a:solidFill>
+              <a:schemeClr val="tx1"/>
+            </a:solidFill>
+            <a:tailEnd type="triangle"/>
+          </a:ln>
+        </p:spPr>
+        <p:style>
+          <a:lnRef idx="1">
+            <a:schemeClr val="accent1"/>
+          </a:lnRef>
+          <a:fillRef idx="0">
+            <a:schemeClr val="accent1"/>
+          </a:fillRef>
+          <a:effectRef idx="0">
+            <a:schemeClr val="accent1"/>
+          </a:effectRef>
+          <a:fontRef idx="minor">
+            <a:schemeClr val="tx1"/>
+          </a:fontRef>
+        </p:style>
+      </p:cxnSp>
+      <p:cxnSp>
+        <p:nvCxnSpPr>
+          <p:cNvPr id="5" name="Straight Arrow Connector 4"/>
+          <p:cNvCxnSpPr/>
+          <p:nvPr/>
+        </p:nvCxnSpPr>
+        <p:spPr>
+          <a:xfrm flipV="1">
+            <a:off x="154329" y="4572000"/>
+            <a:ext cx="4558496" cy="1931"/>
+          </a:xfrm>
+          <a:prstGeom prst="straightConnector1">
+            <a:avLst/>
+          </a:prstGeom>
+          <a:ln>
+            <a:solidFill>
+              <a:schemeClr val="tx1"/>
+            </a:solidFill>
+            <a:tailEnd type="triangle"/>
+          </a:ln>
+        </p:spPr>
+        <p:style>
+          <a:lnRef idx="1">
+            <a:schemeClr val="accent1"/>
+          </a:lnRef>
+          <a:fillRef idx="0">
+            <a:schemeClr val="accent1"/>
+          </a:fillRef>
+          <a:effectRef idx="0">
+            <a:schemeClr val="accent1"/>
+          </a:effectRef>
+          <a:fontRef idx="minor">
+            <a:schemeClr val="tx1"/>
+          </a:fontRef>
+        </p:style>
+      </p:cxnSp>
+      <p:grpSp>
+        <p:nvGrpSpPr>
+          <p:cNvPr id="6" name="Group 5"/>
+          <p:cNvGrpSpPr/>
+          <p:nvPr/>
+        </p:nvGrpSpPr>
+        <p:grpSpPr>
+          <a:xfrm>
+            <a:off x="154329" y="2054506"/>
+            <a:ext cx="4558496" cy="1888119"/>
+            <a:chOff x="617316" y="2355448"/>
+            <a:chExt cx="4558496" cy="1888119"/>
+          </a:xfrm>
+        </p:grpSpPr>
+        <p:cxnSp>
+          <p:nvCxnSpPr>
+            <p:cNvPr id="7" name="Straight Connector 6"/>
+            <p:cNvCxnSpPr/>
+            <p:nvPr/>
+          </p:nvCxnSpPr>
+          <p:spPr>
+            <a:xfrm>
+              <a:off x="617316" y="4243567"/>
+              <a:ext cx="4558496" cy="0"/>
+            </a:xfrm>
+            <a:prstGeom prst="line">
+              <a:avLst/>
+            </a:prstGeom>
+            <a:ln>
+              <a:prstDash val="dash"/>
+            </a:ln>
+          </p:spPr>
+          <p:style>
+            <a:lnRef idx="1">
+              <a:schemeClr val="accent1"/>
+            </a:lnRef>
+            <a:fillRef idx="0">
+              <a:schemeClr val="accent1"/>
+            </a:fillRef>
+            <a:effectRef idx="0">
+              <a:schemeClr val="accent1"/>
+            </a:effectRef>
+            <a:fontRef idx="minor">
+              <a:schemeClr val="tx1"/>
+            </a:fontRef>
+          </p:style>
+        </p:cxnSp>
+        <p:cxnSp>
+          <p:nvCxnSpPr>
+            <p:cNvPr id="8" name="Straight Connector 7"/>
+            <p:cNvCxnSpPr/>
+            <p:nvPr/>
+          </p:nvCxnSpPr>
+          <p:spPr>
+            <a:xfrm>
+              <a:off x="617316" y="3614194"/>
+              <a:ext cx="4558496" cy="0"/>
+            </a:xfrm>
+            <a:prstGeom prst="line">
+              <a:avLst/>
+            </a:prstGeom>
+            <a:ln>
+              <a:prstDash val="dash"/>
+            </a:ln>
+          </p:spPr>
+          <p:style>
+            <a:lnRef idx="1">
+              <a:schemeClr val="accent1"/>
+            </a:lnRef>
+            <a:fillRef idx="0">
+              <a:schemeClr val="accent1"/>
+            </a:fillRef>
+            <a:effectRef idx="0">
+              <a:schemeClr val="accent1"/>
+            </a:effectRef>
+            <a:fontRef idx="minor">
+              <a:schemeClr val="tx1"/>
+            </a:fontRef>
+          </p:style>
+        </p:cxnSp>
+        <p:cxnSp>
+          <p:nvCxnSpPr>
+            <p:cNvPr id="9" name="Straight Connector 8"/>
+            <p:cNvCxnSpPr/>
+            <p:nvPr/>
+          </p:nvCxnSpPr>
+          <p:spPr>
+            <a:xfrm>
+              <a:off x="617316" y="2984821"/>
+              <a:ext cx="4558496" cy="0"/>
+            </a:xfrm>
+            <a:prstGeom prst="line">
+              <a:avLst/>
+            </a:prstGeom>
+            <a:ln>
+              <a:prstDash val="dash"/>
+            </a:ln>
+          </p:spPr>
+          <p:style>
+            <a:lnRef idx="1">
+              <a:schemeClr val="accent1"/>
+            </a:lnRef>
+            <a:fillRef idx="0">
+              <a:schemeClr val="accent1"/>
+            </a:fillRef>
+            <a:effectRef idx="0">
+              <a:schemeClr val="accent1"/>
+            </a:effectRef>
+            <a:fontRef idx="minor">
+              <a:schemeClr val="tx1"/>
+            </a:fontRef>
+          </p:style>
+        </p:cxnSp>
+        <p:cxnSp>
+          <p:nvCxnSpPr>
+            <p:cNvPr id="10" name="Straight Connector 9"/>
+            <p:cNvCxnSpPr/>
+            <p:nvPr/>
+          </p:nvCxnSpPr>
+          <p:spPr>
+            <a:xfrm>
+              <a:off x="617316" y="2355448"/>
+              <a:ext cx="4558496" cy="0"/>
+            </a:xfrm>
+            <a:prstGeom prst="line">
+              <a:avLst/>
+            </a:prstGeom>
+            <a:ln>
+              <a:prstDash val="dash"/>
+            </a:ln>
+          </p:spPr>
+          <p:style>
+            <a:lnRef idx="1">
+              <a:schemeClr val="accent1"/>
+            </a:lnRef>
+            <a:fillRef idx="0">
+              <a:schemeClr val="accent1"/>
+            </a:fillRef>
+            <a:effectRef idx="0">
+              <a:schemeClr val="accent1"/>
+            </a:effectRef>
+            <a:fontRef idx="minor">
+              <a:schemeClr val="tx1"/>
+            </a:fontRef>
+          </p:style>
+        </p:cxnSp>
+      </p:grpSp>
+      <p:grpSp>
+        <p:nvGrpSpPr>
+          <p:cNvPr id="11" name="Group 10"/>
+          <p:cNvGrpSpPr/>
+          <p:nvPr/>
+        </p:nvGrpSpPr>
+        <p:grpSpPr>
+          <a:xfrm>
+            <a:off x="1808545" y="1270322"/>
+            <a:ext cx="1973484" cy="3923818"/>
+            <a:chOff x="2271532" y="1469985"/>
+            <a:chExt cx="1973484" cy="4025097"/>
+          </a:xfrm>
+        </p:grpSpPr>
+        <p:cxnSp>
+          <p:nvCxnSpPr>
+            <p:cNvPr id="12" name="Straight Connector 11"/>
+            <p:cNvCxnSpPr/>
+            <p:nvPr/>
+          </p:nvCxnSpPr>
+          <p:spPr>
+            <a:xfrm flipV="1">
+              <a:off x="2271532" y="1469985"/>
+              <a:ext cx="0" cy="4025097"/>
+            </a:xfrm>
+            <a:prstGeom prst="line">
+              <a:avLst/>
+            </a:prstGeom>
+            <a:ln>
+              <a:prstDash val="dash"/>
+            </a:ln>
+          </p:spPr>
+          <p:style>
+            <a:lnRef idx="1">
+              <a:schemeClr val="accent1"/>
+            </a:lnRef>
+            <a:fillRef idx="0">
+              <a:schemeClr val="accent1"/>
+            </a:fillRef>
+            <a:effectRef idx="0">
+              <a:schemeClr val="accent1"/>
+            </a:effectRef>
+            <a:fontRef idx="minor">
+              <a:schemeClr val="tx1"/>
+            </a:fontRef>
+          </p:style>
+        </p:cxnSp>
+        <p:cxnSp>
+          <p:nvCxnSpPr>
+            <p:cNvPr id="13" name="Straight Connector 12"/>
+            <p:cNvCxnSpPr/>
+            <p:nvPr/>
+          </p:nvCxnSpPr>
+          <p:spPr>
+            <a:xfrm flipV="1">
+              <a:off x="3258274" y="1469985"/>
+              <a:ext cx="0" cy="4025097"/>
+            </a:xfrm>
+            <a:prstGeom prst="line">
+              <a:avLst/>
+            </a:prstGeom>
+            <a:ln>
+              <a:prstDash val="dash"/>
+            </a:ln>
+          </p:spPr>
+          <p:style>
+            <a:lnRef idx="1">
+              <a:schemeClr val="accent1"/>
+            </a:lnRef>
+            <a:fillRef idx="0">
+              <a:schemeClr val="accent1"/>
+            </a:fillRef>
+            <a:effectRef idx="0">
+              <a:schemeClr val="accent1"/>
+            </a:effectRef>
+            <a:fontRef idx="minor">
+              <a:schemeClr val="tx1"/>
+            </a:fontRef>
+          </p:style>
+        </p:cxnSp>
+        <p:cxnSp>
+          <p:nvCxnSpPr>
+            <p:cNvPr id="14" name="Straight Connector 13"/>
+            <p:cNvCxnSpPr/>
+            <p:nvPr/>
+          </p:nvCxnSpPr>
+          <p:spPr>
+            <a:xfrm flipV="1">
+              <a:off x="4245016" y="1469985"/>
+              <a:ext cx="0" cy="4025097"/>
+            </a:xfrm>
+            <a:prstGeom prst="line">
+              <a:avLst/>
+            </a:prstGeom>
+            <a:ln>
+              <a:prstDash val="dash"/>
+            </a:ln>
+          </p:spPr>
+          <p:style>
+            <a:lnRef idx="1">
+              <a:schemeClr val="accent1"/>
+            </a:lnRef>
+            <a:fillRef idx="0">
+              <a:schemeClr val="accent1"/>
+            </a:fillRef>
+            <a:effectRef idx="0">
+              <a:schemeClr val="accent1"/>
+            </a:effectRef>
+            <a:fontRef idx="minor">
+              <a:schemeClr val="tx1"/>
+            </a:fontRef>
+          </p:style>
+        </p:cxnSp>
+      </p:grpSp>
+      <p:sp>
+        <p:nvSpPr>
+          <p:cNvPr id="17" name="TextBox 16"/>
+          <p:cNvSpPr txBox="1"/>
+          <p:nvPr/>
+        </p:nvSpPr>
+        <p:spPr>
+          <a:xfrm>
+            <a:off x="2795285" y="4779761"/>
+            <a:ext cx="1307939" cy="369332"/>
+          </a:xfrm>
+          <a:prstGeom prst="rect">
+            <a:avLst/>
+          </a:prstGeom>
+          <a:noFill/>
+        </p:spPr>
+        <p:txBody>
+          <a:bodyPr wrap="square" rtlCol="0">
+            <a:spAutoFit/>
+          </a:bodyPr>
+          <a:lstStyle/>
+          <a:p>
+            <a:r>
+              <a:rPr lang="en-US" i="1" dirty="0" err="1" smtClean="0"/>
+              <a:t>mygrid</a:t>
+            </a:r>
+            <a:endParaRPr lang="en-US" i="1" dirty="0"/>
+          </a:p>
+        </p:txBody>
+      </p:sp>
+      <p:sp>
+        <p:nvSpPr>
+          <p:cNvPr id="18" name="Rectangle 17"/>
+          <p:cNvSpPr/>
+          <p:nvPr/>
+        </p:nvSpPr>
+        <p:spPr>
+          <a:xfrm>
+            <a:off x="1808544" y="791176"/>
+            <a:ext cx="1973484" cy="1888121"/>
+          </a:xfrm>
+          <a:prstGeom prst="rect">
+            <a:avLst/>
+          </a:prstGeom>
+        </p:spPr>
+        <p:style>
+          <a:lnRef idx="2">
+            <a:schemeClr val="accent1">
+              <a:shade val="50000"/>
+            </a:schemeClr>
+          </a:lnRef>
+          <a:fillRef idx="1">
+            <a:schemeClr val="accent1"/>
+          </a:fillRef>
+          <a:effectRef idx="0">
+            <a:schemeClr val="accent1"/>
+          </a:effectRef>
+          <a:fontRef idx="minor">
+            <a:schemeClr val="lt1"/>
+          </a:fontRef>
+        </p:style>
+        <p:txBody>
+          <a:bodyPr rtlCol="0" anchor="ctr"/>
+          <a:lstStyle/>
+          <a:p>
+            <a:pPr algn="ctr"/>
+            <a:r>
+              <a:rPr lang="en-US" dirty="0" smtClean="0"/>
+              <a:t>inst0</a:t>
+            </a:r>
+            <a:endParaRPr lang="en-US" dirty="0"/>
+          </a:p>
+        </p:txBody>
+      </p:sp>
+      <p:sp>
+        <p:nvSpPr>
+          <p:cNvPr id="19" name="Rectangle 18"/>
+          <p:cNvSpPr/>
+          <p:nvPr/>
+        </p:nvSpPr>
+        <p:spPr>
+          <a:xfrm>
+            <a:off x="3793603" y="791175"/>
+            <a:ext cx="975165" cy="1888121"/>
+          </a:xfrm>
+          <a:prstGeom prst="rect">
+            <a:avLst/>
+          </a:prstGeom>
+        </p:spPr>
+        <p:style>
+          <a:lnRef idx="2">
+            <a:schemeClr val="accent1">
+              <a:shade val="50000"/>
+            </a:schemeClr>
+          </a:lnRef>
+          <a:fillRef idx="1">
+            <a:schemeClr val="accent1"/>
+          </a:fillRef>
+          <a:effectRef idx="0">
+            <a:schemeClr val="accent1"/>
+          </a:effectRef>
+          <a:fontRef idx="minor">
+            <a:schemeClr val="lt1"/>
+          </a:fontRef>
+        </p:style>
+        <p:txBody>
+          <a:bodyPr rtlCol="0" anchor="ctr"/>
+          <a:lstStyle/>
+          <a:p>
+            <a:pPr algn="ctr"/>
+            <a:r>
+              <a:rPr lang="en-US" smtClean="0"/>
+              <a:t>inst1</a:t>
+            </a:r>
+            <a:endParaRPr lang="en-US" dirty="0"/>
+          </a:p>
+        </p:txBody>
+      </p:sp>
+      <p:cxnSp>
+        <p:nvCxnSpPr>
+          <p:cNvPr id="20" name="Straight Arrow Connector 19"/>
+          <p:cNvCxnSpPr/>
+          <p:nvPr/>
+        </p:nvCxnSpPr>
+        <p:spPr>
+          <a:xfrm flipV="1">
+            <a:off x="6183775" y="1269257"/>
+            <a:ext cx="0" cy="3923818"/>
+          </a:xfrm>
+          <a:prstGeom prst="straightConnector1">
+            <a:avLst/>
+          </a:prstGeom>
+          <a:ln>
+            <a:solidFill>
+              <a:schemeClr val="tx1"/>
+            </a:solidFill>
+            <a:tailEnd type="triangle"/>
+          </a:ln>
+        </p:spPr>
+        <p:style>
+          <a:lnRef idx="1">
+            <a:schemeClr val="accent1"/>
+          </a:lnRef>
+          <a:fillRef idx="0">
+            <a:schemeClr val="accent1"/>
+          </a:fillRef>
+          <a:effectRef idx="0">
+            <a:schemeClr val="accent1"/>
+          </a:effectRef>
+          <a:fontRef idx="minor">
+            <a:schemeClr val="tx1"/>
+          </a:fontRef>
+        </p:style>
+      </p:cxnSp>
+      <p:cxnSp>
+        <p:nvCxnSpPr>
+          <p:cNvPr id="21" name="Straight Arrow Connector 20"/>
+          <p:cNvCxnSpPr/>
+          <p:nvPr/>
+        </p:nvCxnSpPr>
+        <p:spPr>
+          <a:xfrm flipV="1">
+            <a:off x="5516301" y="4570935"/>
+            <a:ext cx="4558496" cy="1931"/>
+          </a:xfrm>
+          <a:prstGeom prst="straightConnector1">
+            <a:avLst/>
+          </a:prstGeom>
+          <a:ln>
+            <a:solidFill>
+              <a:schemeClr val="tx1"/>
+            </a:solidFill>
+            <a:tailEnd type="triangle"/>
+          </a:ln>
+        </p:spPr>
+        <p:style>
+          <a:lnRef idx="1">
+            <a:schemeClr val="accent1"/>
+          </a:lnRef>
+          <a:fillRef idx="0">
+            <a:schemeClr val="accent1"/>
+          </a:fillRef>
+          <a:effectRef idx="0">
+            <a:schemeClr val="accent1"/>
+          </a:effectRef>
+          <a:fontRef idx="minor">
+            <a:schemeClr val="tx1"/>
+          </a:fontRef>
+        </p:style>
+      </p:cxnSp>
+      <p:grpSp>
+        <p:nvGrpSpPr>
+          <p:cNvPr id="22" name="Group 21"/>
+          <p:cNvGrpSpPr/>
+          <p:nvPr/>
+        </p:nvGrpSpPr>
+        <p:grpSpPr>
+          <a:xfrm>
+            <a:off x="5516301" y="2053441"/>
+            <a:ext cx="4558496" cy="1888119"/>
+            <a:chOff x="617316" y="2355448"/>
+            <a:chExt cx="4558496" cy="1888119"/>
+          </a:xfrm>
+        </p:grpSpPr>
+        <p:cxnSp>
+          <p:nvCxnSpPr>
+            <p:cNvPr id="23" name="Straight Connector 22"/>
+            <p:cNvCxnSpPr/>
+            <p:nvPr/>
+          </p:nvCxnSpPr>
+          <p:spPr>
+            <a:xfrm>
+              <a:off x="617316" y="4243567"/>
+              <a:ext cx="4558496" cy="0"/>
+            </a:xfrm>
+            <a:prstGeom prst="line">
+              <a:avLst/>
+            </a:prstGeom>
+            <a:ln>
+              <a:prstDash val="dash"/>
+            </a:ln>
+          </p:spPr>
+          <p:style>
+            <a:lnRef idx="1">
+              <a:schemeClr val="accent1"/>
+            </a:lnRef>
+            <a:fillRef idx="0">
+              <a:schemeClr val="accent1"/>
+            </a:fillRef>
+            <a:effectRef idx="0">
+              <a:schemeClr val="accent1"/>
+            </a:effectRef>
+            <a:fontRef idx="minor">
+              <a:schemeClr val="tx1"/>
+            </a:fontRef>
+          </p:style>
+        </p:cxnSp>
+        <p:cxnSp>
+          <p:nvCxnSpPr>
+            <p:cNvPr id="24" name="Straight Connector 23"/>
+            <p:cNvCxnSpPr/>
+            <p:nvPr/>
+          </p:nvCxnSpPr>
+          <p:spPr>
+            <a:xfrm>
+              <a:off x="617316" y="3614194"/>
+              <a:ext cx="4558496" cy="0"/>
+            </a:xfrm>
+            <a:prstGeom prst="line">
+              <a:avLst/>
+            </a:prstGeom>
+            <a:ln>
+              <a:prstDash val="dash"/>
+            </a:ln>
+          </p:spPr>
+          <p:style>
+            <a:lnRef idx="1">
+              <a:schemeClr val="accent1"/>
+            </a:lnRef>
+            <a:fillRef idx="0">
+              <a:schemeClr val="accent1"/>
+            </a:fillRef>
+            <a:effectRef idx="0">
+              <a:schemeClr val="accent1"/>
+            </a:effectRef>
+            <a:fontRef idx="minor">
+              <a:schemeClr val="tx1"/>
+            </a:fontRef>
+          </p:style>
+        </p:cxnSp>
+        <p:cxnSp>
+          <p:nvCxnSpPr>
+            <p:cNvPr id="25" name="Straight Connector 24"/>
+            <p:cNvCxnSpPr/>
+            <p:nvPr/>
+          </p:nvCxnSpPr>
+          <p:spPr>
+            <a:xfrm>
+              <a:off x="617316" y="2984821"/>
+              <a:ext cx="4558496" cy="0"/>
+            </a:xfrm>
+            <a:prstGeom prst="line">
+              <a:avLst/>
+            </a:prstGeom>
+            <a:ln>
+              <a:prstDash val="dash"/>
+            </a:ln>
+          </p:spPr>
+          <p:style>
+            <a:lnRef idx="1">
+              <a:schemeClr val="accent1"/>
+            </a:lnRef>
+            <a:fillRef idx="0">
+              <a:schemeClr val="accent1"/>
+            </a:fillRef>
+            <a:effectRef idx="0">
+              <a:schemeClr val="accent1"/>
+            </a:effectRef>
+            <a:fontRef idx="minor">
+              <a:schemeClr val="tx1"/>
+            </a:fontRef>
+          </p:style>
+        </p:cxnSp>
+        <p:cxnSp>
+          <p:nvCxnSpPr>
+            <p:cNvPr id="26" name="Straight Connector 25"/>
+            <p:cNvCxnSpPr/>
+            <p:nvPr/>
+          </p:nvCxnSpPr>
+          <p:spPr>
+            <a:xfrm>
+              <a:off x="617316" y="2355448"/>
+              <a:ext cx="4558496" cy="0"/>
+            </a:xfrm>
+            <a:prstGeom prst="line">
+              <a:avLst/>
+            </a:prstGeom>
+            <a:ln>
+              <a:prstDash val="dash"/>
+            </a:ln>
+          </p:spPr>
+          <p:style>
+            <a:lnRef idx="1">
+              <a:schemeClr val="accent1"/>
+            </a:lnRef>
+            <a:fillRef idx="0">
+              <a:schemeClr val="accent1"/>
+            </a:fillRef>
+            <a:effectRef idx="0">
+              <a:schemeClr val="accent1"/>
+            </a:effectRef>
+            <a:fontRef idx="minor">
+              <a:schemeClr val="tx1"/>
+            </a:fontRef>
+          </p:style>
+        </p:cxnSp>
+      </p:grpSp>
+      <p:grpSp>
+        <p:nvGrpSpPr>
+          <p:cNvPr id="27" name="Group 26"/>
+          <p:cNvGrpSpPr/>
+          <p:nvPr/>
+        </p:nvGrpSpPr>
+        <p:grpSpPr>
+          <a:xfrm>
+            <a:off x="7170517" y="1269257"/>
+            <a:ext cx="1973484" cy="3923818"/>
+            <a:chOff x="2271532" y="1469985"/>
+            <a:chExt cx="1973484" cy="4025097"/>
+          </a:xfrm>
+        </p:grpSpPr>
+        <p:cxnSp>
+          <p:nvCxnSpPr>
+            <p:cNvPr id="28" name="Straight Connector 27"/>
+            <p:cNvCxnSpPr/>
+            <p:nvPr/>
+          </p:nvCxnSpPr>
+          <p:spPr>
+            <a:xfrm flipV="1">
+              <a:off x="2271532" y="1469985"/>
+              <a:ext cx="0" cy="4025097"/>
+            </a:xfrm>
+            <a:prstGeom prst="line">
+              <a:avLst/>
+            </a:prstGeom>
+            <a:ln>
+              <a:prstDash val="dash"/>
+            </a:ln>
+          </p:spPr>
+          <p:style>
+            <a:lnRef idx="1">
+              <a:schemeClr val="accent1"/>
+            </a:lnRef>
+            <a:fillRef idx="0">
+              <a:schemeClr val="accent1"/>
+            </a:fillRef>
+            <a:effectRef idx="0">
+              <a:schemeClr val="accent1"/>
+            </a:effectRef>
+            <a:fontRef idx="minor">
+              <a:schemeClr val="tx1"/>
+            </a:fontRef>
+          </p:style>
+        </p:cxnSp>
+        <p:cxnSp>
+          <p:nvCxnSpPr>
+            <p:cNvPr id="29" name="Straight Connector 28"/>
+            <p:cNvCxnSpPr/>
+            <p:nvPr/>
+          </p:nvCxnSpPr>
+          <p:spPr>
+            <a:xfrm flipV="1">
+              <a:off x="3258274" y="1469985"/>
+              <a:ext cx="0" cy="4025097"/>
+            </a:xfrm>
+            <a:prstGeom prst="line">
+              <a:avLst/>
+            </a:prstGeom>
+            <a:ln>
+              <a:prstDash val="dash"/>
+            </a:ln>
+          </p:spPr>
+          <p:style>
+            <a:lnRef idx="1">
+              <a:schemeClr val="accent1"/>
+            </a:lnRef>
+            <a:fillRef idx="0">
+              <a:schemeClr val="accent1"/>
+            </a:fillRef>
+            <a:effectRef idx="0">
+              <a:schemeClr val="accent1"/>
+            </a:effectRef>
+            <a:fontRef idx="minor">
+              <a:schemeClr val="tx1"/>
+            </a:fontRef>
+          </p:style>
+        </p:cxnSp>
+        <p:cxnSp>
+          <p:nvCxnSpPr>
+            <p:cNvPr id="30" name="Straight Connector 29"/>
+            <p:cNvCxnSpPr/>
+            <p:nvPr/>
+          </p:nvCxnSpPr>
+          <p:spPr>
+            <a:xfrm flipV="1">
+              <a:off x="4245016" y="1469985"/>
+              <a:ext cx="0" cy="4025097"/>
+            </a:xfrm>
+            <a:prstGeom prst="line">
+              <a:avLst/>
+            </a:prstGeom>
+            <a:ln>
+              <a:prstDash val="dash"/>
+            </a:ln>
+          </p:spPr>
+          <p:style>
+            <a:lnRef idx="1">
+              <a:schemeClr val="accent1"/>
+            </a:lnRef>
+            <a:fillRef idx="0">
+              <a:schemeClr val="accent1"/>
+            </a:fillRef>
+            <a:effectRef idx="0">
+              <a:schemeClr val="accent1"/>
+            </a:effectRef>
+            <a:fontRef idx="minor">
+              <a:schemeClr val="tx1"/>
+            </a:fontRef>
+          </p:style>
+        </p:cxnSp>
+      </p:grpSp>
+      <p:sp>
+        <p:nvSpPr>
+          <p:cNvPr id="31" name="TextBox 30"/>
+          <p:cNvSpPr txBox="1"/>
+          <p:nvPr/>
+        </p:nvSpPr>
+        <p:spPr>
+          <a:xfrm>
+            <a:off x="8157257" y="4778696"/>
+            <a:ext cx="1307939" cy="369332"/>
+          </a:xfrm>
+          <a:prstGeom prst="rect">
+            <a:avLst/>
+          </a:prstGeom>
+          <a:noFill/>
+        </p:spPr>
+        <p:txBody>
+          <a:bodyPr wrap="square" rtlCol="0">
+            <a:spAutoFit/>
+          </a:bodyPr>
+          <a:lstStyle/>
+          <a:p>
+            <a:r>
+              <a:rPr lang="en-US" i="1" dirty="0" err="1" smtClean="0"/>
+              <a:t>mygrid</a:t>
+            </a:r>
+            <a:endParaRPr lang="en-US" i="1" dirty="0"/>
+          </a:p>
+        </p:txBody>
+      </p:sp>
+      <p:sp>
+        <p:nvSpPr>
+          <p:cNvPr id="32" name="Rectangle 31"/>
+          <p:cNvSpPr/>
+          <p:nvPr/>
+        </p:nvSpPr>
+        <p:spPr>
+          <a:xfrm>
+            <a:off x="7170516" y="790111"/>
+            <a:ext cx="1973484" cy="1888121"/>
+          </a:xfrm>
+          <a:prstGeom prst="rect">
+            <a:avLst/>
+          </a:prstGeom>
+        </p:spPr>
+        <p:style>
+          <a:lnRef idx="2">
+            <a:schemeClr val="accent1">
+              <a:shade val="50000"/>
+            </a:schemeClr>
+          </a:lnRef>
+          <a:fillRef idx="1">
+            <a:schemeClr val="accent1"/>
+          </a:fillRef>
+          <a:effectRef idx="0">
+            <a:schemeClr val="accent1"/>
+          </a:effectRef>
+          <a:fontRef idx="minor">
+            <a:schemeClr val="lt1"/>
+          </a:fontRef>
+        </p:style>
+        <p:txBody>
+          <a:bodyPr rtlCol="0" anchor="ctr"/>
+          <a:lstStyle/>
+          <a:p>
+            <a:pPr algn="ctr"/>
+            <a:r>
+              <a:rPr lang="en-US" dirty="0" smtClean="0"/>
+              <a:t>inst0</a:t>
+            </a:r>
+            <a:endParaRPr lang="en-US" dirty="0"/>
+          </a:p>
+        </p:txBody>
+      </p:sp>
+      <p:sp>
+        <p:nvSpPr>
+          <p:cNvPr id="33" name="Rectangle 32"/>
+          <p:cNvSpPr/>
+          <p:nvPr/>
+        </p:nvSpPr>
+        <p:spPr>
+          <a:xfrm>
+            <a:off x="9155575" y="790110"/>
+            <a:ext cx="975165" cy="1888121"/>
+          </a:xfrm>
+          <a:prstGeom prst="rect">
+            <a:avLst/>
+          </a:prstGeom>
+        </p:spPr>
+        <p:style>
+          <a:lnRef idx="2">
+            <a:schemeClr val="accent1">
+              <a:shade val="50000"/>
+            </a:schemeClr>
+          </a:lnRef>
+          <a:fillRef idx="1">
+            <a:schemeClr val="accent1"/>
+          </a:fillRef>
+          <a:effectRef idx="0">
+            <a:schemeClr val="accent1"/>
+          </a:effectRef>
+          <a:fontRef idx="minor">
+            <a:schemeClr val="lt1"/>
+          </a:fontRef>
+        </p:style>
+        <p:txBody>
+          <a:bodyPr rtlCol="0" anchor="ctr"/>
+          <a:lstStyle/>
+          <a:p>
+            <a:pPr algn="ctr"/>
+            <a:r>
+              <a:rPr lang="en-US" smtClean="0"/>
+              <a:t>inst1</a:t>
+            </a:r>
+            <a:endParaRPr lang="en-US" dirty="0"/>
+          </a:p>
+        </p:txBody>
+      </p:sp>
+      <p:sp>
+        <p:nvSpPr>
+          <p:cNvPr id="34" name="Rectangle 33"/>
+          <p:cNvSpPr/>
+          <p:nvPr/>
+        </p:nvSpPr>
+        <p:spPr>
+          <a:xfrm flipV="1">
+            <a:off x="9155575" y="2682815"/>
+            <a:ext cx="975165" cy="633958"/>
+          </a:xfrm>
+          <a:prstGeom prst="rect">
+            <a:avLst/>
+          </a:prstGeom>
+        </p:spPr>
+        <p:style>
+          <a:lnRef idx="2">
+            <a:schemeClr val="accent1">
+              <a:shade val="50000"/>
+            </a:schemeClr>
+          </a:lnRef>
+          <a:fillRef idx="1">
+            <a:schemeClr val="accent1"/>
+          </a:fillRef>
+          <a:effectRef idx="0">
+            <a:schemeClr val="accent1"/>
+          </a:effectRef>
+          <a:fontRef idx="minor">
+            <a:schemeClr val="lt1"/>
+          </a:fontRef>
+        </p:style>
+        <p:txBody>
+          <a:bodyPr rtlCol="0" anchor="ctr"/>
+          <a:lstStyle/>
+          <a:p>
+            <a:pPr algn="ctr"/>
+            <a:r>
+              <a:rPr lang="en-US" dirty="0" smtClean="0"/>
+              <a:t>inst2</a:t>
+            </a:r>
+            <a:endParaRPr lang="en-US" dirty="0"/>
+          </a:p>
+        </p:txBody>
+      </p:sp>
+    </p:spTree>
+    <p:extLst>
+      <p:ext uri="{BB962C8B-B14F-4D97-AF65-F5344CB8AC3E}">
+        <p14:creationId xmlns:p14="http://schemas.microsoft.com/office/powerpoint/2010/main" val="837037697"/>
       </p:ext>
     </p:extLst>
   </p:cSld>
@@ -5670,4 +8077,265 @@
   </a:objectDefaults>
   <a:extraClrSchemeLst/>
 </a:theme>
+</file>
+
+<file path=ppt/theme/theme2.xml><?xml version="1.0" encoding="utf-8"?>
+<a:theme xmlns:a="http://schemas.openxmlformats.org/drawingml/2006/main" name="Office Theme">
+  <a:themeElements>
+    <a:clrScheme name="Office">
+      <a:dk1>
+        <a:sysClr val="windowText" lastClr="000000"/>
+      </a:dk1>
+      <a:lt1>
+        <a:sysClr val="window" lastClr="FFFFFF"/>
+      </a:lt1>
+      <a:dk2>
+        <a:srgbClr val="44546A"/>
+      </a:dk2>
+      <a:lt2>
+        <a:srgbClr val="E7E6E6"/>
+      </a:lt2>
+      <a:accent1>
+        <a:srgbClr val="4472C4"/>
+      </a:accent1>
+      <a:accent2>
+        <a:srgbClr val="ED7D31"/>
+      </a:accent2>
+      <a:accent3>
+        <a:srgbClr val="A5A5A5"/>
+      </a:accent3>
+      <a:accent4>
+        <a:srgbClr val="FFC000"/>
+      </a:accent4>
+      <a:accent5>
+        <a:srgbClr val="5B9BD5"/>
+      </a:accent5>
+      <a:accent6>
+        <a:srgbClr val="70AD47"/>
+      </a:accent6>
+      <a:hlink>
+        <a:srgbClr val="0563C1"/>
+      </a:hlink>
+      <a:folHlink>
+        <a:srgbClr val="954F72"/>
+      </a:folHlink>
+    </a:clrScheme>
+    <a:fontScheme name="Office">
+      <a:majorFont>
+        <a:latin typeface="Calibri Light" panose="020F0302020204030204"/>
+        <a:ea typeface=""/>
+        <a:cs typeface=""/>
+        <a:font script="Jpan" typeface="Yu Gothic Light"/>
+        <a:font script="Hang" typeface="맑은 고딕"/>
+        <a:font script="Hans" typeface="DengXian Light"/>
+        <a:font script="Hant" typeface="新細明體"/>
+        <a:font script="Arab" typeface="Times New Roman"/>
+        <a:font script="Hebr" typeface="Times New Roman"/>
+        <a:font script="Thai" typeface="Angsana New"/>
+        <a:font script="Ethi" typeface="Nyala"/>
+        <a:font script="Beng" typeface="Vrinda"/>
+        <a:font script="Gujr" typeface="Shruti"/>
+        <a:font script="Khmr" typeface="MoolBoran"/>
+        <a:font script="Knda" typeface="Tunga"/>
+        <a:font script="Guru" typeface="Raavi"/>
+        <a:font script="Cans" typeface="Euphemia"/>
+        <a:font script="Cher" typeface="Plantagenet Cherokee"/>
+        <a:font script="Yiii" typeface="Microsoft Yi Baiti"/>
+        <a:font script="Tibt" typeface="Microsoft Himalaya"/>
+        <a:font script="Thaa" typeface="MV Boli"/>
+        <a:font script="Deva" typeface="Mangal"/>
+        <a:font script="Telu" typeface="Gautami"/>
+        <a:font script="Taml" typeface="Latha"/>
+        <a:font script="Syrc" typeface="Estrangelo Edessa"/>
+        <a:font script="Orya" typeface="Kalinga"/>
+        <a:font script="Mlym" typeface="Kartika"/>
+        <a:font script="Laoo" typeface="DokChampa"/>
+        <a:font script="Sinh" typeface="Iskoola Pota"/>
+        <a:font script="Mong" typeface="Mongolian Baiti"/>
+        <a:font script="Viet" typeface="Times New Roman"/>
+        <a:font script="Uigh" typeface="Microsoft Uighur"/>
+        <a:font script="Geor" typeface="Sylfaen"/>
+      </a:majorFont>
+      <a:minorFont>
+        <a:latin typeface="Calibri" panose="020F0502020204030204"/>
+        <a:ea typeface=""/>
+        <a:cs typeface=""/>
+        <a:font script="Jpan" typeface="Yu Gothic"/>
+        <a:font script="Hang" typeface="맑은 고딕"/>
+        <a:font script="Hans" typeface="DengXian"/>
+        <a:font script="Hant" typeface="新細明體"/>
+        <a:font script="Arab" typeface="Arial"/>
+        <a:font script="Hebr" typeface="Arial"/>
+        <a:font script="Thai" typeface="Cordia New"/>
+        <a:font script="Ethi" typeface="Nyala"/>
+        <a:font script="Beng" typeface="Vrinda"/>
+        <a:font script="Gujr" typeface="Shruti"/>
+        <a:font script="Khmr" typeface="DaunPenh"/>
+        <a:font script="Knda" typeface="Tunga"/>
+        <a:font script="Guru" typeface="Raavi"/>
+        <a:font script="Cans" typeface="Euphemia"/>
+        <a:font script="Cher" typeface="Plantagenet Cherokee"/>
+        <a:font script="Yiii" typeface="Microsoft Yi Baiti"/>
+        <a:font script="Tibt" typeface="Microsoft Himalaya"/>
+        <a:font script="Thaa" typeface="MV Boli"/>
+        <a:font script="Deva" typeface="Mangal"/>
+        <a:font script="Telu" typeface="Gautami"/>
+        <a:font script="Taml" typeface="Latha"/>
+        <a:font script="Syrc" typeface="Estrangelo Edessa"/>
+        <a:font script="Orya" typeface="Kalinga"/>
+        <a:font script="Mlym" typeface="Kartika"/>
+        <a:font script="Laoo" typeface="DokChampa"/>
+        <a:font script="Sinh" typeface="Iskoola Pota"/>
+        <a:font script="Mong" typeface="Mongolian Baiti"/>
+        <a:font script="Viet" typeface="Arial"/>
+        <a:font script="Uigh" typeface="Microsoft Uighur"/>
+        <a:font script="Geor" typeface="Sylfaen"/>
+      </a:minorFont>
+    </a:fontScheme>
+    <a:fmtScheme name="Office">
+      <a:fillStyleLst>
+        <a:solidFill>
+          <a:schemeClr val="phClr"/>
+        </a:solidFill>
+        <a:gradFill rotWithShape="1">
+          <a:gsLst>
+            <a:gs pos="0">
+              <a:schemeClr val="phClr">
+                <a:lumMod val="110000"/>
+                <a:satMod val="105000"/>
+                <a:tint val="67000"/>
+              </a:schemeClr>
+            </a:gs>
+            <a:gs pos="50000">
+              <a:schemeClr val="phClr">
+                <a:lumMod val="105000"/>
+                <a:satMod val="103000"/>
+                <a:tint val="73000"/>
+              </a:schemeClr>
+            </a:gs>
+            <a:gs pos="100000">
+              <a:schemeClr val="phClr">
+                <a:lumMod val="105000"/>
+                <a:satMod val="109000"/>
+                <a:tint val="81000"/>
+              </a:schemeClr>
+            </a:gs>
+          </a:gsLst>
+          <a:lin ang="5400000" scaled="0"/>
+        </a:gradFill>
+        <a:gradFill rotWithShape="1">
+          <a:gsLst>
+            <a:gs pos="0">
+              <a:schemeClr val="phClr">
+                <a:satMod val="103000"/>
+                <a:lumMod val="102000"/>
+                <a:tint val="94000"/>
+              </a:schemeClr>
+            </a:gs>
+            <a:gs pos="50000">
+              <a:schemeClr val="phClr">
+                <a:satMod val="110000"/>
+                <a:lumMod val="100000"/>
+                <a:shade val="100000"/>
+              </a:schemeClr>
+            </a:gs>
+            <a:gs pos="100000">
+              <a:schemeClr val="phClr">
+                <a:lumMod val="99000"/>
+                <a:satMod val="120000"/>
+                <a:shade val="78000"/>
+              </a:schemeClr>
+            </a:gs>
+          </a:gsLst>
+          <a:lin ang="5400000" scaled="0"/>
+        </a:gradFill>
+      </a:fillStyleLst>
+      <a:lnStyleLst>
+        <a:ln w="6350" cap="flat" cmpd="sng" algn="ctr">
+          <a:solidFill>
+            <a:schemeClr val="phClr"/>
+          </a:solidFill>
+          <a:prstDash val="solid"/>
+          <a:miter lim="800000"/>
+        </a:ln>
+        <a:ln w="12700" cap="flat" cmpd="sng" algn="ctr">
+          <a:solidFill>
+            <a:schemeClr val="phClr"/>
+          </a:solidFill>
+          <a:prstDash val="solid"/>
+          <a:miter lim="800000"/>
+        </a:ln>
+        <a:ln w="19050" cap="flat" cmpd="sng" algn="ctr">
+          <a:solidFill>
+            <a:schemeClr val="phClr"/>
+          </a:solidFill>
+          <a:prstDash val="solid"/>
+          <a:miter lim="800000"/>
+        </a:ln>
+      </a:lnStyleLst>
+      <a:effectStyleLst>
+        <a:effectStyle>
+          <a:effectLst/>
+        </a:effectStyle>
+        <a:effectStyle>
+          <a:effectLst/>
+        </a:effectStyle>
+        <a:effectStyle>
+          <a:effectLst>
+            <a:outerShdw blurRad="57150" dist="19050" dir="5400000" algn="ctr" rotWithShape="0">
+              <a:srgbClr val="000000">
+                <a:alpha val="63000"/>
+              </a:srgbClr>
+            </a:outerShdw>
+          </a:effectLst>
+        </a:effectStyle>
+      </a:effectStyleLst>
+      <a:bgFillStyleLst>
+        <a:solidFill>
+          <a:schemeClr val="phClr"/>
+        </a:solidFill>
+        <a:solidFill>
+          <a:schemeClr val="phClr">
+            <a:tint val="95000"/>
+            <a:satMod val="170000"/>
+          </a:schemeClr>
+        </a:solidFill>
+        <a:gradFill rotWithShape="1">
+          <a:gsLst>
+            <a:gs pos="0">
+              <a:schemeClr val="phClr">
+                <a:tint val="93000"/>
+                <a:satMod val="150000"/>
+                <a:shade val="98000"/>
+                <a:lumMod val="102000"/>
+              </a:schemeClr>
+            </a:gs>
+            <a:gs pos="50000">
+              <a:schemeClr val="phClr">
+                <a:tint val="98000"/>
+                <a:satMod val="130000"/>
+                <a:shade val="90000"/>
+                <a:lumMod val="103000"/>
+              </a:schemeClr>
+            </a:gs>
+            <a:gs pos="100000">
+              <a:schemeClr val="phClr">
+                <a:shade val="63000"/>
+                <a:satMod val="120000"/>
+              </a:schemeClr>
+            </a:gs>
+          </a:gsLst>
+          <a:lin ang="5400000" scaled="0"/>
+        </a:gradFill>
+      </a:bgFillStyleLst>
+    </a:fmtScheme>
+  </a:themeElements>
+  <a:objectDefaults/>
+  <a:extraClrSchemeLst/>
+  <a:extLst>
+    <a:ext uri="{05A4C25C-085E-4340-85A3-A5531E510DB2}">
+      <thm15:themeFamily xmlns:thm15="http://schemas.microsoft.com/office/thememl/2012/main" name="Office Theme" id="{62F939B6-93AF-4DB8-9C6B-D6C7DFDC589F}" vid="{4A3C46E8-61CC-4603-A589-7422A47A8E4A}"/>
+    </a:ext>
+  </a:extLst>
+</a:theme>
 </file>
--- a/docs/source/tutorial/images/drawings.pptx
+++ b/docs/source/tutorial/images/drawings.pptx
@@ -5,7 +5,7 @@
     <p:sldMasterId id="2147483648" r:id="rId1"/>
   </p:sldMasterIdLst>
   <p:notesMasterIdLst>
-    <p:notesMasterId r:id="rId13"/>
+    <p:notesMasterId r:id="rId14"/>
   </p:notesMasterIdLst>
   <p:sldIdLst>
     <p:sldId id="256" r:id="rId2"/>
@@ -19,6 +19,7 @@
     <p:sldId id="262" r:id="rId10"/>
     <p:sldId id="263" r:id="rId11"/>
     <p:sldId id="264" r:id="rId12"/>
+    <p:sldId id="269" r:id="rId13"/>
   </p:sldIdLst>
   <p:sldSz cx="9144000" cy="6858000" type="screen4x3"/>
   <p:notesSz cx="6858000" cy="9144000"/>
@@ -218,7 +219,7 @@
           <a:p>
             <a:fld id="{02239070-089A-3E41-88EF-62F1EC113D6C}" type="datetimeFigureOut">
               <a:rPr lang="en-US" smtClean="0"/>
-              <a:t>10/22/17</a:t>
+              <a:t>10/23/17</a:t>
             </a:fld>
             <a:endParaRPr lang="en-US"/>
           </a:p>
@@ -1003,7 +1004,7 @@
           <a:p>
             <a:fld id="{66908577-0DCB-E441-BBD1-D6AD9E032B09}" type="datetimeFigureOut">
               <a:rPr lang="en-US" smtClean="0"/>
-              <a:t>10/22/17</a:t>
+              <a:t>10/23/17</a:t>
             </a:fld>
             <a:endParaRPr lang="en-US"/>
           </a:p>
@@ -1173,7 +1174,7 @@
           <a:p>
             <a:fld id="{66908577-0DCB-E441-BBD1-D6AD9E032B09}" type="datetimeFigureOut">
               <a:rPr lang="en-US" smtClean="0"/>
-              <a:t>10/22/17</a:t>
+              <a:t>10/23/17</a:t>
             </a:fld>
             <a:endParaRPr lang="en-US"/>
           </a:p>
@@ -1353,7 +1354,7 @@
           <a:p>
             <a:fld id="{66908577-0DCB-E441-BBD1-D6AD9E032B09}" type="datetimeFigureOut">
               <a:rPr lang="en-US" smtClean="0"/>
-              <a:t>10/22/17</a:t>
+              <a:t>10/23/17</a:t>
             </a:fld>
             <a:endParaRPr lang="en-US"/>
           </a:p>
@@ -1523,7 +1524,7 @@
           <a:p>
             <a:fld id="{66908577-0DCB-E441-BBD1-D6AD9E032B09}" type="datetimeFigureOut">
               <a:rPr lang="en-US" smtClean="0"/>
-              <a:t>10/22/17</a:t>
+              <a:t>10/23/17</a:t>
             </a:fld>
             <a:endParaRPr lang="en-US"/>
           </a:p>
@@ -1769,7 +1770,7 @@
           <a:p>
             <a:fld id="{66908577-0DCB-E441-BBD1-D6AD9E032B09}" type="datetimeFigureOut">
               <a:rPr lang="en-US" smtClean="0"/>
-              <a:t>10/22/17</a:t>
+              <a:t>10/23/17</a:t>
             </a:fld>
             <a:endParaRPr lang="en-US"/>
           </a:p>
@@ -2057,7 +2058,7 @@
           <a:p>
             <a:fld id="{66908577-0DCB-E441-BBD1-D6AD9E032B09}" type="datetimeFigureOut">
               <a:rPr lang="en-US" smtClean="0"/>
-              <a:t>10/22/17</a:t>
+              <a:t>10/23/17</a:t>
             </a:fld>
             <a:endParaRPr lang="en-US"/>
           </a:p>
@@ -2479,7 +2480,7 @@
           <a:p>
             <a:fld id="{66908577-0DCB-E441-BBD1-D6AD9E032B09}" type="datetimeFigureOut">
               <a:rPr lang="en-US" smtClean="0"/>
-              <a:t>10/22/17</a:t>
+              <a:t>10/23/17</a:t>
             </a:fld>
             <a:endParaRPr lang="en-US"/>
           </a:p>
@@ -2597,7 +2598,7 @@
           <a:p>
             <a:fld id="{66908577-0DCB-E441-BBD1-D6AD9E032B09}" type="datetimeFigureOut">
               <a:rPr lang="en-US" smtClean="0"/>
-              <a:t>10/22/17</a:t>
+              <a:t>10/23/17</a:t>
             </a:fld>
             <a:endParaRPr lang="en-US"/>
           </a:p>
@@ -2692,7 +2693,7 @@
           <a:p>
             <a:fld id="{66908577-0DCB-E441-BBD1-D6AD9E032B09}" type="datetimeFigureOut">
               <a:rPr lang="en-US" smtClean="0"/>
-              <a:t>10/22/17</a:t>
+              <a:t>10/23/17</a:t>
             </a:fld>
             <a:endParaRPr lang="en-US"/>
           </a:p>
@@ -2969,7 +2970,7 @@
           <a:p>
             <a:fld id="{66908577-0DCB-E441-BBD1-D6AD9E032B09}" type="datetimeFigureOut">
               <a:rPr lang="en-US" smtClean="0"/>
-              <a:t>10/22/17</a:t>
+              <a:t>10/23/17</a:t>
             </a:fld>
             <a:endParaRPr lang="en-US"/>
           </a:p>
@@ -3222,7 +3223,7 @@
           <a:p>
             <a:fld id="{66908577-0DCB-E441-BBD1-D6AD9E032B09}" type="datetimeFigureOut">
               <a:rPr lang="en-US" smtClean="0"/>
-              <a:t>10/22/17</a:t>
+              <a:t>10/23/17</a:t>
             </a:fld>
             <a:endParaRPr lang="en-US"/>
           </a:p>
@@ -3435,7 +3436,7 @@
           <a:p>
             <a:fld id="{66908577-0DCB-E441-BBD1-D6AD9E032B09}" type="datetimeFigureOut">
               <a:rPr lang="en-US" smtClean="0"/>
-              <a:t>10/22/17</a:t>
+              <a:t>10/23/17</a:t>
             </a:fld>
             <a:endParaRPr lang="en-US"/>
           </a:p>
@@ -6327,6 +6328,123 @@
     <p:extLst>
       <p:ext uri="{BB962C8B-B14F-4D97-AF65-F5344CB8AC3E}">
         <p14:creationId xmlns:p14="http://schemas.microsoft.com/office/powerpoint/2010/main" val="726401543"/>
+      </p:ext>
+    </p:extLst>
+  </p:cSld>
+  <p:clrMapOvr>
+    <a:masterClrMapping/>
+  </p:clrMapOvr>
+</p:sld>
+</file>
+
+<file path=ppt/slides/slide12.xml><?xml version="1.0" encoding="utf-8"?>
+<p:sld xmlns:a="http://schemas.openxmlformats.org/drawingml/2006/main" xmlns:r="http://schemas.openxmlformats.org/officeDocument/2006/relationships" xmlns:p="http://schemas.openxmlformats.org/presentationml/2006/main">
+  <p:cSld>
+    <p:spTree>
+      <p:nvGrpSpPr>
+        <p:cNvPr id="1" name=""/>
+        <p:cNvGrpSpPr/>
+        <p:nvPr/>
+      </p:nvGrpSpPr>
+      <p:grpSpPr>
+        <a:xfrm>
+          <a:off x="0" y="0"/>
+          <a:ext cx="0" cy="0"/>
+          <a:chOff x="0" y="0"/>
+          <a:chExt cx="0" cy="0"/>
+        </a:xfrm>
+      </p:grpSpPr>
+      <p:grpSp>
+        <p:nvGrpSpPr>
+          <p:cNvPr id="6" name="Group 5"/>
+          <p:cNvGrpSpPr/>
+          <p:nvPr/>
+        </p:nvGrpSpPr>
+        <p:grpSpPr>
+          <a:xfrm>
+            <a:off x="-2554306" y="743920"/>
+            <a:ext cx="12888231" cy="5491672"/>
+            <a:chOff x="0" y="234950"/>
+            <a:chExt cx="13309600" cy="6388100"/>
+          </a:xfrm>
+        </p:grpSpPr>
+        <p:pic>
+          <p:nvPicPr>
+            <p:cNvPr id="4" name="Picture 3"/>
+            <p:cNvPicPr>
+              <a:picLocks noChangeAspect="1"/>
+            </p:cNvPicPr>
+            <p:nvPr/>
+          </p:nvPicPr>
+          <p:blipFill>
+            <a:blip r:embed="rId2"/>
+            <a:stretch>
+              <a:fillRect/>
+            </a:stretch>
+          </p:blipFill>
+          <p:spPr>
+            <a:xfrm>
+              <a:off x="0" y="234950"/>
+              <a:ext cx="6604000" cy="6388100"/>
+            </a:xfrm>
+            <a:prstGeom prst="rect">
+              <a:avLst/>
+            </a:prstGeom>
+          </p:spPr>
+        </p:pic>
+        <p:pic>
+          <p:nvPicPr>
+            <p:cNvPr id="5" name="Picture 4"/>
+            <p:cNvPicPr>
+              <a:picLocks noChangeAspect="1"/>
+            </p:cNvPicPr>
+            <p:nvPr/>
+          </p:nvPicPr>
+          <p:blipFill>
+            <a:blip r:embed="rId3"/>
+            <a:stretch>
+              <a:fillRect/>
+            </a:stretch>
+          </p:blipFill>
+          <p:spPr>
+            <a:xfrm>
+              <a:off x="6604000" y="247650"/>
+              <a:ext cx="6705600" cy="6362700"/>
+            </a:xfrm>
+            <a:prstGeom prst="rect">
+              <a:avLst/>
+            </a:prstGeom>
+          </p:spPr>
+        </p:pic>
+      </p:grpSp>
+      <p:pic>
+        <p:nvPicPr>
+          <p:cNvPr id="7" name="Picture 6"/>
+          <p:cNvPicPr>
+            <a:picLocks noChangeAspect="1"/>
+          </p:cNvPicPr>
+          <p:nvPr/>
+        </p:nvPicPr>
+        <p:blipFill>
+          <a:blip r:embed="rId4"/>
+          <a:stretch>
+            <a:fillRect/>
+          </a:stretch>
+        </p:blipFill>
+        <p:spPr>
+          <a:xfrm>
+            <a:off x="0" y="2360242"/>
+            <a:ext cx="9144000" cy="3869891"/>
+          </a:xfrm>
+          <a:prstGeom prst="rect">
+            <a:avLst/>
+          </a:prstGeom>
+        </p:spPr>
+      </p:pic>
+    </p:spTree>
+    <p:extLst>
+      <p:ext uri="{BB962C8B-B14F-4D97-AF65-F5344CB8AC3E}">
+        <p14:creationId xmlns:p14="http://schemas.microsoft.com/office/powerpoint/2010/main" val="1442061070"/>
       </p:ext>
     </p:extLst>
   </p:cSld>

--- a/docs/source/tutorial/images/drawings.pptx
+++ b/docs/source/tutorial/images/drawings.pptx
@@ -5,7 +5,7 @@
     <p:sldMasterId id="2147483648" r:id="rId1"/>
   </p:sldMasterIdLst>
   <p:notesMasterIdLst>
-    <p:notesMasterId r:id="rId14"/>
+    <p:notesMasterId r:id="rId16"/>
   </p:notesMasterIdLst>
   <p:sldIdLst>
     <p:sldId id="256" r:id="rId2"/>
@@ -19,7 +19,9 @@
     <p:sldId id="262" r:id="rId10"/>
     <p:sldId id="263" r:id="rId11"/>
     <p:sldId id="264" r:id="rId12"/>
-    <p:sldId id="269" r:id="rId13"/>
+    <p:sldId id="270" r:id="rId13"/>
+    <p:sldId id="271" r:id="rId14"/>
+    <p:sldId id="272" r:id="rId15"/>
   </p:sldIdLst>
   <p:sldSz cx="9144000" cy="6858000" type="screen4x3"/>
   <p:notesSz cx="6858000" cy="9144000"/>
@@ -6354,87 +6356,48 @@
           <a:chExt cx="0" cy="0"/>
         </a:xfrm>
       </p:grpSpPr>
-      <p:grpSp>
-        <p:nvGrpSpPr>
-          <p:cNvPr id="6" name="Group 5"/>
-          <p:cNvGrpSpPr/>
-          <p:nvPr/>
-        </p:nvGrpSpPr>
-        <p:grpSpPr>
-          <a:xfrm>
-            <a:off x="-2554306" y="743920"/>
-            <a:ext cx="12888231" cy="5491672"/>
-            <a:chOff x="0" y="234950"/>
-            <a:chExt cx="13309600" cy="6388100"/>
-          </a:xfrm>
-        </p:grpSpPr>
-        <p:pic>
-          <p:nvPicPr>
-            <p:cNvPr id="4" name="Picture 3"/>
-            <p:cNvPicPr>
-              <a:picLocks noChangeAspect="1"/>
-            </p:cNvPicPr>
-            <p:nvPr/>
-          </p:nvPicPr>
-          <p:blipFill>
-            <a:blip r:embed="rId2"/>
-            <a:stretch>
-              <a:fillRect/>
-            </a:stretch>
-          </p:blipFill>
-          <p:spPr>
-            <a:xfrm>
-              <a:off x="0" y="234950"/>
-              <a:ext cx="6604000" cy="6388100"/>
-            </a:xfrm>
-            <a:prstGeom prst="rect">
-              <a:avLst/>
-            </a:prstGeom>
-          </p:spPr>
-        </p:pic>
-        <p:pic>
-          <p:nvPicPr>
-            <p:cNvPr id="5" name="Picture 4"/>
-            <p:cNvPicPr>
-              <a:picLocks noChangeAspect="1"/>
-            </p:cNvPicPr>
-            <p:nvPr/>
-          </p:nvPicPr>
-          <p:blipFill>
-            <a:blip r:embed="rId3"/>
-            <a:stretch>
-              <a:fillRect/>
-            </a:stretch>
-          </p:blipFill>
-          <p:spPr>
-            <a:xfrm>
-              <a:off x="6604000" y="247650"/>
-              <a:ext cx="6705600" cy="6362700"/>
-            </a:xfrm>
-            <a:prstGeom prst="rect">
-              <a:avLst/>
-            </a:prstGeom>
-          </p:spPr>
-        </p:pic>
-      </p:grpSp>
       <p:pic>
         <p:nvPicPr>
-          <p:cNvPr id="7" name="Picture 6"/>
+          <p:cNvPr id="4" name="Picture 3"/>
           <p:cNvPicPr>
             <a:picLocks noChangeAspect="1"/>
           </p:cNvPicPr>
           <p:nvPr/>
         </p:nvPicPr>
         <p:blipFill>
-          <a:blip r:embed="rId4"/>
+          <a:blip r:embed="rId2"/>
           <a:stretch>
             <a:fillRect/>
           </a:stretch>
         </p:blipFill>
         <p:spPr>
           <a:xfrm>
-            <a:off x="0" y="2360242"/>
-            <a:ext cx="9144000" cy="3869891"/>
+            <a:off x="-1507533" y="330200"/>
+            <a:ext cx="6362700" cy="6197600"/>
+          </a:xfrm>
+          <a:prstGeom prst="rect">
+            <a:avLst/>
+          </a:prstGeom>
+        </p:spPr>
+      </p:pic>
+      <p:pic>
+        <p:nvPicPr>
+          <p:cNvPr id="5" name="Picture 4"/>
+          <p:cNvPicPr>
+            <a:picLocks noChangeAspect="1"/>
+          </p:cNvPicPr>
+          <p:nvPr/>
+        </p:nvPicPr>
+        <p:blipFill>
+          <a:blip r:embed="rId3"/>
+          <a:stretch>
+            <a:fillRect/>
+          </a:stretch>
+        </p:blipFill>
+        <p:spPr>
+          <a:xfrm>
+            <a:off x="4855167" y="327478"/>
+            <a:ext cx="6692900" cy="6261100"/>
           </a:xfrm>
           <a:prstGeom prst="rect">
             <a:avLst/>
@@ -6444,7 +6407,791 @@
     </p:spTree>
     <p:extLst>
       <p:ext uri="{BB962C8B-B14F-4D97-AF65-F5344CB8AC3E}">
-        <p14:creationId xmlns:p14="http://schemas.microsoft.com/office/powerpoint/2010/main" val="1442061070"/>
+        <p14:creationId xmlns:p14="http://schemas.microsoft.com/office/powerpoint/2010/main" val="1321377047"/>
+      </p:ext>
+    </p:extLst>
+  </p:cSld>
+  <p:clrMapOvr>
+    <a:masterClrMapping/>
+  </p:clrMapOvr>
+</p:sld>
+</file>
+
+<file path=ppt/slides/slide13.xml><?xml version="1.0" encoding="utf-8"?>
+<p:sld xmlns:a="http://schemas.openxmlformats.org/drawingml/2006/main" xmlns:r="http://schemas.openxmlformats.org/officeDocument/2006/relationships" xmlns:p="http://schemas.openxmlformats.org/presentationml/2006/main">
+  <p:cSld>
+    <p:spTree>
+      <p:nvGrpSpPr>
+        <p:cNvPr id="1" name=""/>
+        <p:cNvGrpSpPr/>
+        <p:nvPr/>
+      </p:nvGrpSpPr>
+      <p:grpSpPr>
+        <a:xfrm>
+          <a:off x="0" y="0"/>
+          <a:ext cx="0" cy="0"/>
+          <a:chOff x="0" y="0"/>
+          <a:chExt cx="0" cy="0"/>
+        </a:xfrm>
+      </p:grpSpPr>
+      <p:pic>
+        <p:nvPicPr>
+          <p:cNvPr id="4" name="Picture 3"/>
+          <p:cNvPicPr>
+            <a:picLocks noChangeAspect="1"/>
+          </p:cNvPicPr>
+          <p:nvPr/>
+        </p:nvPicPr>
+        <p:blipFill>
+          <a:blip r:embed="rId2"/>
+          <a:stretch>
+            <a:fillRect/>
+          </a:stretch>
+        </p:blipFill>
+        <p:spPr>
+          <a:xfrm>
+            <a:off x="0" y="1294373"/>
+            <a:ext cx="9144000" cy="4269253"/>
+          </a:xfrm>
+          <a:prstGeom prst="rect">
+            <a:avLst/>
+          </a:prstGeom>
+        </p:spPr>
+      </p:pic>
+    </p:spTree>
+    <p:extLst>
+      <p:ext uri="{BB962C8B-B14F-4D97-AF65-F5344CB8AC3E}">
+        <p14:creationId xmlns:p14="http://schemas.microsoft.com/office/powerpoint/2010/main" val="1954296204"/>
+      </p:ext>
+    </p:extLst>
+  </p:cSld>
+  <p:clrMapOvr>
+    <a:masterClrMapping/>
+  </p:clrMapOvr>
+</p:sld>
+</file>
+
+<file path=ppt/slides/slide14.xml><?xml version="1.0" encoding="utf-8"?>
+<p:sld xmlns:a="http://schemas.openxmlformats.org/drawingml/2006/main" xmlns:r="http://schemas.openxmlformats.org/officeDocument/2006/relationships" xmlns:p="http://schemas.openxmlformats.org/presentationml/2006/main">
+  <p:cSld>
+    <p:spTree>
+      <p:nvGrpSpPr>
+        <p:cNvPr id="1" name=""/>
+        <p:cNvGrpSpPr/>
+        <p:nvPr/>
+      </p:nvGrpSpPr>
+      <p:grpSpPr>
+        <a:xfrm>
+          <a:off x="0" y="0"/>
+          <a:ext cx="0" cy="0"/>
+          <a:chOff x="0" y="0"/>
+          <a:chExt cx="0" cy="0"/>
+        </a:xfrm>
+      </p:grpSpPr>
+      <p:pic>
+        <p:nvPicPr>
+          <p:cNvPr id="4" name="Picture 3"/>
+          <p:cNvPicPr>
+            <a:picLocks noChangeAspect="1"/>
+          </p:cNvPicPr>
+          <p:nvPr/>
+        </p:nvPicPr>
+        <p:blipFill>
+          <a:blip r:embed="rId2">
+            <a:extLst>
+              <a:ext uri="{BEBA8EAE-BF5A-486C-A8C5-ECC9F3942E4B}">
+                <a14:imgProps xmlns:a14="http://schemas.microsoft.com/office/drawing/2010/main">
+                  <a14:imgLayer r:embed="rId3">
+                    <a14:imgEffect>
+                      <a14:brightnessContrast bright="-40000" contrast="40000"/>
+                    </a14:imgEffect>
+                  </a14:imgLayer>
+                </a14:imgProps>
+              </a:ext>
+            </a:extLst>
+          </a:blip>
+          <a:stretch>
+            <a:fillRect/>
+          </a:stretch>
+        </p:blipFill>
+        <p:spPr>
+          <a:xfrm>
+            <a:off x="1206638" y="224970"/>
+            <a:ext cx="6362700" cy="6197600"/>
+          </a:xfrm>
+          <a:prstGeom prst="rect">
+            <a:avLst/>
+          </a:prstGeom>
+        </p:spPr>
+      </p:pic>
+      <p:sp>
+        <p:nvSpPr>
+          <p:cNvPr id="6" name="Rectangle 5"/>
+          <p:cNvSpPr/>
+          <p:nvPr/>
+        </p:nvSpPr>
+        <p:spPr>
+          <a:xfrm>
+            <a:off x="4963886" y="2467429"/>
+            <a:ext cx="1669143" cy="1698171"/>
+          </a:xfrm>
+          <a:prstGeom prst="rect">
+            <a:avLst/>
+          </a:prstGeom>
+          <a:noFill/>
+          <a:ln w="38100">
+            <a:solidFill>
+              <a:schemeClr val="bg1"/>
+            </a:solidFill>
+            <a:prstDash val="solid"/>
+          </a:ln>
+        </p:spPr>
+        <p:style>
+          <a:lnRef idx="1">
+            <a:schemeClr val="accent1"/>
+          </a:lnRef>
+          <a:fillRef idx="3">
+            <a:schemeClr val="accent1"/>
+          </a:fillRef>
+          <a:effectRef idx="2">
+            <a:schemeClr val="accent1"/>
+          </a:effectRef>
+          <a:fontRef idx="minor">
+            <a:schemeClr val="lt1"/>
+          </a:fontRef>
+        </p:style>
+        <p:txBody>
+          <a:bodyPr rtlCol="0" anchor="ctr"/>
+          <a:lstStyle/>
+          <a:p>
+            <a:pPr algn="ctr"/>
+            <a:endParaRPr lang="en-US"/>
+          </a:p>
+        </p:txBody>
+      </p:sp>
+      <p:pic>
+        <p:nvPicPr>
+          <p:cNvPr id="5" name="Picture 4"/>
+          <p:cNvPicPr>
+            <a:picLocks noChangeAspect="1"/>
+          </p:cNvPicPr>
+          <p:nvPr/>
+        </p:nvPicPr>
+        <p:blipFill rotWithShape="1">
+          <a:blip r:embed="rId4"/>
+          <a:srcRect l="58937" t="36416" r="14602" b="34778"/>
+          <a:stretch/>
+        </p:blipFill>
+        <p:spPr>
+          <a:xfrm>
+            <a:off x="1920558" y="2774976"/>
+            <a:ext cx="3261040" cy="3457829"/>
+          </a:xfrm>
+          <a:prstGeom prst="rect">
+            <a:avLst/>
+          </a:prstGeom>
+          <a:ln w="57150">
+            <a:solidFill>
+              <a:schemeClr val="bg1"/>
+            </a:solidFill>
+          </a:ln>
+        </p:spPr>
+      </p:pic>
+      <p:sp>
+        <p:nvSpPr>
+          <p:cNvPr id="7" name="Rectangle 6"/>
+          <p:cNvSpPr/>
+          <p:nvPr/>
+        </p:nvSpPr>
+        <p:spPr>
+          <a:xfrm>
+            <a:off x="2394857" y="3149601"/>
+            <a:ext cx="478972" cy="2540000"/>
+          </a:xfrm>
+          <a:prstGeom prst="rect">
+            <a:avLst/>
+          </a:prstGeom>
+          <a:noFill/>
+          <a:ln w="38100">
+            <a:solidFill>
+              <a:schemeClr val="bg1"/>
+            </a:solidFill>
+            <a:prstDash val="dash"/>
+          </a:ln>
+        </p:spPr>
+        <p:style>
+          <a:lnRef idx="1">
+            <a:schemeClr val="accent1"/>
+          </a:lnRef>
+          <a:fillRef idx="3">
+            <a:schemeClr val="accent1"/>
+          </a:fillRef>
+          <a:effectRef idx="2">
+            <a:schemeClr val="accent1"/>
+          </a:effectRef>
+          <a:fontRef idx="minor">
+            <a:schemeClr val="lt1"/>
+          </a:fontRef>
+        </p:style>
+        <p:txBody>
+          <a:bodyPr rtlCol="0" anchor="ctr"/>
+          <a:lstStyle/>
+          <a:p>
+            <a:pPr algn="ctr"/>
+            <a:endParaRPr lang="en-US"/>
+          </a:p>
+        </p:txBody>
+      </p:sp>
+      <p:sp>
+        <p:nvSpPr>
+          <p:cNvPr id="8" name="Rectangle 7"/>
+          <p:cNvSpPr/>
+          <p:nvPr/>
+        </p:nvSpPr>
+        <p:spPr>
+          <a:xfrm>
+            <a:off x="4177530" y="3149601"/>
+            <a:ext cx="478972" cy="2540000"/>
+          </a:xfrm>
+          <a:prstGeom prst="rect">
+            <a:avLst/>
+          </a:prstGeom>
+          <a:noFill/>
+          <a:ln w="38100">
+            <a:solidFill>
+              <a:schemeClr val="bg1"/>
+            </a:solidFill>
+            <a:prstDash val="dash"/>
+          </a:ln>
+        </p:spPr>
+        <p:style>
+          <a:lnRef idx="1">
+            <a:schemeClr val="accent1"/>
+          </a:lnRef>
+          <a:fillRef idx="3">
+            <a:schemeClr val="accent1"/>
+          </a:fillRef>
+          <a:effectRef idx="2">
+            <a:schemeClr val="accent1"/>
+          </a:effectRef>
+          <a:fontRef idx="minor">
+            <a:schemeClr val="lt1"/>
+          </a:fontRef>
+        </p:style>
+        <p:txBody>
+          <a:bodyPr rtlCol="0" anchor="ctr"/>
+          <a:lstStyle/>
+          <a:p>
+            <a:pPr algn="ctr"/>
+            <a:endParaRPr lang="en-US"/>
+          </a:p>
+        </p:txBody>
+      </p:sp>
+      <p:sp>
+        <p:nvSpPr>
+          <p:cNvPr id="9" name="Rectangle 8"/>
+          <p:cNvSpPr/>
+          <p:nvPr/>
+        </p:nvSpPr>
+        <p:spPr>
+          <a:xfrm>
+            <a:off x="2336802" y="3222173"/>
+            <a:ext cx="2438398" cy="449942"/>
+          </a:xfrm>
+          <a:prstGeom prst="rect">
+            <a:avLst/>
+          </a:prstGeom>
+          <a:noFill/>
+          <a:ln w="38100">
+            <a:solidFill>
+              <a:schemeClr val="bg1"/>
+            </a:solidFill>
+            <a:prstDash val="dash"/>
+          </a:ln>
+        </p:spPr>
+        <p:style>
+          <a:lnRef idx="1">
+            <a:schemeClr val="accent1"/>
+          </a:lnRef>
+          <a:fillRef idx="3">
+            <a:schemeClr val="accent1"/>
+          </a:fillRef>
+          <a:effectRef idx="2">
+            <a:schemeClr val="accent1"/>
+          </a:effectRef>
+          <a:fontRef idx="minor">
+            <a:schemeClr val="lt1"/>
+          </a:fontRef>
+        </p:style>
+        <p:txBody>
+          <a:bodyPr rtlCol="0" anchor="ctr"/>
+          <a:lstStyle/>
+          <a:p>
+            <a:pPr algn="ctr"/>
+            <a:endParaRPr lang="en-US"/>
+          </a:p>
+        </p:txBody>
+      </p:sp>
+      <p:sp>
+        <p:nvSpPr>
+          <p:cNvPr id="10" name="TextBox 9"/>
+          <p:cNvSpPr txBox="1"/>
+          <p:nvPr/>
+        </p:nvSpPr>
+        <p:spPr>
+          <a:xfrm>
+            <a:off x="2414397" y="4738766"/>
+            <a:ext cx="449162" cy="461665"/>
+          </a:xfrm>
+          <a:prstGeom prst="rect">
+            <a:avLst/>
+          </a:prstGeom>
+          <a:solidFill>
+            <a:schemeClr val="bg1"/>
+          </a:solidFill>
+        </p:spPr>
+        <p:txBody>
+          <a:bodyPr wrap="none" rtlCol="0">
+            <a:spAutoFit/>
+          </a:bodyPr>
+          <a:lstStyle/>
+          <a:p>
+            <a:r>
+              <a:rPr lang="en-US" sz="2400" b="1" dirty="0" smtClean="0"/>
+              <a:t>r0</a:t>
+            </a:r>
+            <a:endParaRPr lang="en-US" sz="2400" b="1" dirty="0"/>
+          </a:p>
+        </p:txBody>
+      </p:sp>
+      <p:sp>
+        <p:nvSpPr>
+          <p:cNvPr id="11" name="TextBox 10"/>
+          <p:cNvSpPr txBox="1"/>
+          <p:nvPr/>
+        </p:nvSpPr>
+        <p:spPr>
+          <a:xfrm>
+            <a:off x="4207340" y="4738766"/>
+            <a:ext cx="449162" cy="461665"/>
+          </a:xfrm>
+          <a:prstGeom prst="rect">
+            <a:avLst/>
+          </a:prstGeom>
+          <a:solidFill>
+            <a:schemeClr val="bg1"/>
+          </a:solidFill>
+        </p:spPr>
+        <p:txBody>
+          <a:bodyPr wrap="none" rtlCol="0">
+            <a:spAutoFit/>
+          </a:bodyPr>
+          <a:lstStyle/>
+          <a:p>
+            <a:r>
+              <a:rPr lang="en-US" sz="2400" b="1" dirty="0" smtClean="0"/>
+              <a:t>r0</a:t>
+            </a:r>
+            <a:endParaRPr lang="en-US" sz="2400" b="1" dirty="0"/>
+          </a:p>
+        </p:txBody>
+      </p:sp>
+      <p:sp>
+        <p:nvSpPr>
+          <p:cNvPr id="12" name="TextBox 11"/>
+          <p:cNvSpPr txBox="1"/>
+          <p:nvPr/>
+        </p:nvSpPr>
+        <p:spPr>
+          <a:xfrm>
+            <a:off x="3319100" y="3207659"/>
+            <a:ext cx="449162" cy="461665"/>
+          </a:xfrm>
+          <a:prstGeom prst="rect">
+            <a:avLst/>
+          </a:prstGeom>
+          <a:solidFill>
+            <a:schemeClr val="bg1"/>
+          </a:solidFill>
+        </p:spPr>
+        <p:txBody>
+          <a:bodyPr wrap="none" rtlCol="0">
+            <a:spAutoFit/>
+          </a:bodyPr>
+          <a:lstStyle/>
+          <a:p>
+            <a:r>
+              <a:rPr lang="en-US" sz="2400" b="1" dirty="0" smtClean="0"/>
+              <a:t>r1</a:t>
+            </a:r>
+            <a:endParaRPr lang="en-US" sz="2400" b="1" dirty="0"/>
+          </a:p>
+        </p:txBody>
+      </p:sp>
+      <p:cxnSp>
+        <p:nvCxnSpPr>
+          <p:cNvPr id="14" name="Straight Connector 13"/>
+          <p:cNvCxnSpPr/>
+          <p:nvPr/>
+        </p:nvCxnSpPr>
+        <p:spPr>
+          <a:xfrm>
+            <a:off x="5341257" y="1103086"/>
+            <a:ext cx="0" cy="4223657"/>
+          </a:xfrm>
+          <a:prstGeom prst="line">
+            <a:avLst/>
+          </a:prstGeom>
+          <a:ln>
+            <a:solidFill>
+              <a:schemeClr val="bg1"/>
+            </a:solidFill>
+            <a:prstDash val="sysDot"/>
+          </a:ln>
+        </p:spPr>
+        <p:style>
+          <a:lnRef idx="2">
+            <a:schemeClr val="accent1"/>
+          </a:lnRef>
+          <a:fillRef idx="0">
+            <a:schemeClr val="accent1"/>
+          </a:fillRef>
+          <a:effectRef idx="1">
+            <a:schemeClr val="accent1"/>
+          </a:effectRef>
+          <a:fontRef idx="minor">
+            <a:schemeClr val="tx1"/>
+          </a:fontRef>
+        </p:style>
+      </p:cxnSp>
+      <p:cxnSp>
+        <p:nvCxnSpPr>
+          <p:cNvPr id="15" name="Straight Connector 14"/>
+          <p:cNvCxnSpPr/>
+          <p:nvPr/>
+        </p:nvCxnSpPr>
+        <p:spPr>
+          <a:xfrm>
+            <a:off x="5798457" y="1110344"/>
+            <a:ext cx="0" cy="4223657"/>
+          </a:xfrm>
+          <a:prstGeom prst="line">
+            <a:avLst/>
+          </a:prstGeom>
+          <a:ln>
+            <a:solidFill>
+              <a:schemeClr val="bg1"/>
+            </a:solidFill>
+            <a:prstDash val="sysDot"/>
+          </a:ln>
+        </p:spPr>
+        <p:style>
+          <a:lnRef idx="2">
+            <a:schemeClr val="accent1"/>
+          </a:lnRef>
+          <a:fillRef idx="0">
+            <a:schemeClr val="accent1"/>
+          </a:fillRef>
+          <a:effectRef idx="1">
+            <a:schemeClr val="accent1"/>
+          </a:effectRef>
+          <a:fontRef idx="minor">
+            <a:schemeClr val="tx1"/>
+          </a:fontRef>
+        </p:style>
+      </p:cxnSp>
+      <p:cxnSp>
+        <p:nvCxnSpPr>
+          <p:cNvPr id="16" name="Straight Connector 15"/>
+          <p:cNvCxnSpPr/>
+          <p:nvPr/>
+        </p:nvCxnSpPr>
+        <p:spPr>
+          <a:xfrm>
+            <a:off x="6270171" y="1110344"/>
+            <a:ext cx="0" cy="4223657"/>
+          </a:xfrm>
+          <a:prstGeom prst="line">
+            <a:avLst/>
+          </a:prstGeom>
+          <a:ln>
+            <a:solidFill>
+              <a:schemeClr val="bg1"/>
+            </a:solidFill>
+            <a:prstDash val="sysDot"/>
+          </a:ln>
+        </p:spPr>
+        <p:style>
+          <a:lnRef idx="2">
+            <a:schemeClr val="accent1"/>
+          </a:lnRef>
+          <a:fillRef idx="0">
+            <a:schemeClr val="accent1"/>
+          </a:fillRef>
+          <a:effectRef idx="1">
+            <a:schemeClr val="accent1"/>
+          </a:effectRef>
+          <a:fontRef idx="minor">
+            <a:schemeClr val="tx1"/>
+          </a:fontRef>
+        </p:style>
+      </p:cxnSp>
+      <p:sp>
+        <p:nvSpPr>
+          <p:cNvPr id="17" name="TextBox 16"/>
+          <p:cNvSpPr txBox="1"/>
+          <p:nvPr/>
+        </p:nvSpPr>
+        <p:spPr>
+          <a:xfrm>
+            <a:off x="5116676" y="619651"/>
+            <a:ext cx="1678152" cy="461665"/>
+          </a:xfrm>
+          <a:prstGeom prst="rect">
+            <a:avLst/>
+          </a:prstGeom>
+          <a:solidFill>
+            <a:schemeClr val="bg1"/>
+          </a:solidFill>
+        </p:spPr>
+        <p:txBody>
+          <a:bodyPr wrap="none" rtlCol="0">
+            <a:spAutoFit/>
+          </a:bodyPr>
+          <a:lstStyle/>
+          <a:p>
+            <a:r>
+              <a:rPr lang="en-US" sz="2400" b="1" dirty="0"/>
+              <a:t>r</a:t>
+            </a:r>
+            <a:r>
+              <a:rPr lang="en-US" sz="2400" b="1" dirty="0" smtClean="0"/>
+              <a:t>outing grid</a:t>
+            </a:r>
+            <a:endParaRPr lang="en-US" sz="2400" b="1" dirty="0"/>
+          </a:p>
+        </p:txBody>
+      </p:sp>
+      <p:cxnSp>
+        <p:nvCxnSpPr>
+          <p:cNvPr id="18" name="Straight Connector 17"/>
+          <p:cNvCxnSpPr/>
+          <p:nvPr/>
+        </p:nvCxnSpPr>
+        <p:spPr>
+          <a:xfrm flipH="1">
+            <a:off x="5116676" y="2032003"/>
+            <a:ext cx="1516353" cy="0"/>
+          </a:xfrm>
+          <a:prstGeom prst="line">
+            <a:avLst/>
+          </a:prstGeom>
+          <a:ln>
+            <a:solidFill>
+              <a:schemeClr val="bg1"/>
+            </a:solidFill>
+            <a:prstDash val="sysDot"/>
+          </a:ln>
+        </p:spPr>
+        <p:style>
+          <a:lnRef idx="2">
+            <a:schemeClr val="accent1"/>
+          </a:lnRef>
+          <a:fillRef idx="0">
+            <a:schemeClr val="accent1"/>
+          </a:fillRef>
+          <a:effectRef idx="1">
+            <a:schemeClr val="accent1"/>
+          </a:effectRef>
+          <a:fontRef idx="minor">
+            <a:schemeClr val="tx1"/>
+          </a:fontRef>
+        </p:style>
+      </p:cxnSp>
+      <p:cxnSp>
+        <p:nvCxnSpPr>
+          <p:cNvPr id="21" name="Straight Connector 20"/>
+          <p:cNvCxnSpPr/>
+          <p:nvPr/>
+        </p:nvCxnSpPr>
+        <p:spPr>
+          <a:xfrm flipH="1">
+            <a:off x="5116676" y="1560288"/>
+            <a:ext cx="1516353" cy="0"/>
+          </a:xfrm>
+          <a:prstGeom prst="line">
+            <a:avLst/>
+          </a:prstGeom>
+          <a:ln>
+            <a:solidFill>
+              <a:schemeClr val="bg1"/>
+            </a:solidFill>
+            <a:prstDash val="sysDot"/>
+          </a:ln>
+        </p:spPr>
+        <p:style>
+          <a:lnRef idx="2">
+            <a:schemeClr val="accent1"/>
+          </a:lnRef>
+          <a:fillRef idx="0">
+            <a:schemeClr val="accent1"/>
+          </a:fillRef>
+          <a:effectRef idx="1">
+            <a:schemeClr val="accent1"/>
+          </a:effectRef>
+          <a:fontRef idx="minor">
+            <a:schemeClr val="tx1"/>
+          </a:fontRef>
+        </p:style>
+      </p:cxnSp>
+      <p:cxnSp>
+        <p:nvCxnSpPr>
+          <p:cNvPr id="22" name="Straight Connector 21"/>
+          <p:cNvCxnSpPr/>
+          <p:nvPr/>
+        </p:nvCxnSpPr>
+        <p:spPr>
+          <a:xfrm flipH="1">
+            <a:off x="5196112" y="2830290"/>
+            <a:ext cx="1516353" cy="0"/>
+          </a:xfrm>
+          <a:prstGeom prst="line">
+            <a:avLst/>
+          </a:prstGeom>
+          <a:ln>
+            <a:solidFill>
+              <a:schemeClr val="bg1"/>
+            </a:solidFill>
+            <a:prstDash val="sysDot"/>
+          </a:ln>
+        </p:spPr>
+        <p:style>
+          <a:lnRef idx="2">
+            <a:schemeClr val="accent1"/>
+          </a:lnRef>
+          <a:fillRef idx="0">
+            <a:schemeClr val="accent1"/>
+          </a:fillRef>
+          <a:effectRef idx="1">
+            <a:schemeClr val="accent1"/>
+          </a:effectRef>
+          <a:fontRef idx="minor">
+            <a:schemeClr val="tx1"/>
+          </a:fontRef>
+        </p:style>
+      </p:cxnSp>
+      <p:cxnSp>
+        <p:nvCxnSpPr>
+          <p:cNvPr id="23" name="Straight Connector 22"/>
+          <p:cNvCxnSpPr/>
+          <p:nvPr/>
+        </p:nvCxnSpPr>
+        <p:spPr>
+          <a:xfrm flipH="1">
+            <a:off x="5196111" y="3839033"/>
+            <a:ext cx="1516353" cy="0"/>
+          </a:xfrm>
+          <a:prstGeom prst="line">
+            <a:avLst/>
+          </a:prstGeom>
+          <a:ln>
+            <a:solidFill>
+              <a:schemeClr val="bg1"/>
+            </a:solidFill>
+            <a:prstDash val="sysDot"/>
+          </a:ln>
+        </p:spPr>
+        <p:style>
+          <a:lnRef idx="2">
+            <a:schemeClr val="accent1"/>
+          </a:lnRef>
+          <a:fillRef idx="0">
+            <a:schemeClr val="accent1"/>
+          </a:fillRef>
+          <a:effectRef idx="1">
+            <a:schemeClr val="accent1"/>
+          </a:effectRef>
+          <a:fontRef idx="minor">
+            <a:schemeClr val="tx1"/>
+          </a:fontRef>
+        </p:style>
+      </p:cxnSp>
+      <p:cxnSp>
+        <p:nvCxnSpPr>
+          <p:cNvPr id="24" name="Straight Connector 23"/>
+          <p:cNvCxnSpPr/>
+          <p:nvPr/>
+        </p:nvCxnSpPr>
+        <p:spPr>
+          <a:xfrm flipH="1">
+            <a:off x="5196111" y="4649035"/>
+            <a:ext cx="1516353" cy="0"/>
+          </a:xfrm>
+          <a:prstGeom prst="line">
+            <a:avLst/>
+          </a:prstGeom>
+          <a:ln>
+            <a:solidFill>
+              <a:schemeClr val="bg1"/>
+            </a:solidFill>
+            <a:prstDash val="sysDot"/>
+          </a:ln>
+        </p:spPr>
+        <p:style>
+          <a:lnRef idx="2">
+            <a:schemeClr val="accent1"/>
+          </a:lnRef>
+          <a:fillRef idx="0">
+            <a:schemeClr val="accent1"/>
+          </a:fillRef>
+          <a:effectRef idx="1">
+            <a:schemeClr val="accent1"/>
+          </a:effectRef>
+          <a:fontRef idx="minor">
+            <a:schemeClr val="tx1"/>
+          </a:fontRef>
+        </p:style>
+      </p:cxnSp>
+      <p:cxnSp>
+        <p:nvCxnSpPr>
+          <p:cNvPr id="25" name="Straight Connector 24"/>
+          <p:cNvCxnSpPr/>
+          <p:nvPr/>
+        </p:nvCxnSpPr>
+        <p:spPr>
+          <a:xfrm flipH="1">
+            <a:off x="5188856" y="5164289"/>
+            <a:ext cx="1516353" cy="0"/>
+          </a:xfrm>
+          <a:prstGeom prst="line">
+            <a:avLst/>
+          </a:prstGeom>
+          <a:ln>
+            <a:solidFill>
+              <a:schemeClr val="bg1"/>
+            </a:solidFill>
+            <a:prstDash val="sysDot"/>
+          </a:ln>
+        </p:spPr>
+        <p:style>
+          <a:lnRef idx="2">
+            <a:schemeClr val="accent1"/>
+          </a:lnRef>
+          <a:fillRef idx="0">
+            <a:schemeClr val="accent1"/>
+          </a:fillRef>
+          <a:effectRef idx="1">
+            <a:schemeClr val="accent1"/>
+          </a:effectRef>
+          <a:fontRef idx="minor">
+            <a:schemeClr val="tx1"/>
+          </a:fontRef>
+        </p:style>
+      </p:cxnSp>
+    </p:spTree>
+    <p:extLst>
+      <p:ext uri="{BB962C8B-B14F-4D97-AF65-F5344CB8AC3E}">
+        <p14:creationId xmlns:p14="http://schemas.microsoft.com/office/powerpoint/2010/main" val="1760389140"/>
       </p:ext>
     </p:extLst>
   </p:cSld>

--- a/docs/source/tutorial/images/drawings.pptx
+++ b/docs/source/tutorial/images/drawings.pptx
@@ -5,7 +5,7 @@
     <p:sldMasterId id="2147483648" r:id="rId1"/>
   </p:sldMasterIdLst>
   <p:notesMasterIdLst>
-    <p:notesMasterId r:id="rId16"/>
+    <p:notesMasterId r:id="rId17"/>
   </p:notesMasterIdLst>
   <p:sldIdLst>
     <p:sldId id="256" r:id="rId2"/>
@@ -21,7 +21,8 @@
     <p:sldId id="264" r:id="rId12"/>
     <p:sldId id="270" r:id="rId13"/>
     <p:sldId id="271" r:id="rId14"/>
-    <p:sldId id="272" r:id="rId15"/>
+    <p:sldId id="273" r:id="rId15"/>
+    <p:sldId id="272" r:id="rId16"/>
   </p:sldIdLst>
   <p:sldSz cx="9144000" cy="6858000" type="screen4x3"/>
   <p:notesSz cx="6858000" cy="9144000"/>
@@ -6472,6 +6473,1081 @@
 </file>
 
 <file path=ppt/slides/slide14.xml><?xml version="1.0" encoding="utf-8"?>
+<p:sld xmlns:a="http://schemas.openxmlformats.org/drawingml/2006/main" xmlns:r="http://schemas.openxmlformats.org/officeDocument/2006/relationships" xmlns:p="http://schemas.openxmlformats.org/presentationml/2006/main">
+  <p:cSld>
+    <p:spTree>
+      <p:nvGrpSpPr>
+        <p:cNvPr id="1" name=""/>
+        <p:cNvGrpSpPr/>
+        <p:nvPr/>
+      </p:nvGrpSpPr>
+      <p:grpSpPr>
+        <a:xfrm>
+          <a:off x="0" y="0"/>
+          <a:ext cx="0" cy="0"/>
+          <a:chOff x="0" y="0"/>
+          <a:chExt cx="0" cy="0"/>
+        </a:xfrm>
+      </p:grpSpPr>
+      <p:sp>
+        <p:nvSpPr>
+          <p:cNvPr id="4" name="Rectangle 3"/>
+          <p:cNvSpPr/>
+          <p:nvPr/>
+        </p:nvSpPr>
+        <p:spPr>
+          <a:xfrm>
+            <a:off x="406400" y="638625"/>
+            <a:ext cx="2452914" cy="566057"/>
+          </a:xfrm>
+          <a:prstGeom prst="rect">
+            <a:avLst/>
+          </a:prstGeom>
+        </p:spPr>
+        <p:style>
+          <a:lnRef idx="2">
+            <a:schemeClr val="accent1">
+              <a:shade val="50000"/>
+            </a:schemeClr>
+          </a:lnRef>
+          <a:fillRef idx="1">
+            <a:schemeClr val="accent1"/>
+          </a:fillRef>
+          <a:effectRef idx="0">
+            <a:schemeClr val="accent1"/>
+          </a:effectRef>
+          <a:fontRef idx="minor">
+            <a:schemeClr val="lt1"/>
+          </a:fontRef>
+        </p:style>
+        <p:txBody>
+          <a:bodyPr rtlCol="0" anchor="ctr"/>
+          <a:lstStyle/>
+          <a:p>
+            <a:pPr algn="ctr"/>
+            <a:r>
+              <a:rPr lang="en-US" smtClean="0"/>
+              <a:t>BaseLayoutGenerator</a:t>
+            </a:r>
+            <a:endParaRPr lang="en-US" dirty="0"/>
+          </a:p>
+        </p:txBody>
+      </p:sp>
+      <p:sp>
+        <p:nvSpPr>
+          <p:cNvPr id="5" name="Rectangle 4"/>
+          <p:cNvSpPr/>
+          <p:nvPr/>
+        </p:nvSpPr>
+        <p:spPr>
+          <a:xfrm>
+            <a:off x="406400" y="3490687"/>
+            <a:ext cx="2452914" cy="566057"/>
+          </a:xfrm>
+          <a:prstGeom prst="rect">
+            <a:avLst/>
+          </a:prstGeom>
+        </p:spPr>
+        <p:style>
+          <a:lnRef idx="2">
+            <a:schemeClr val="accent1">
+              <a:shade val="50000"/>
+            </a:schemeClr>
+          </a:lnRef>
+          <a:fillRef idx="1">
+            <a:schemeClr val="accent1"/>
+          </a:fillRef>
+          <a:effectRef idx="0">
+            <a:schemeClr val="accent1"/>
+          </a:effectRef>
+          <a:fontRef idx="minor">
+            <a:schemeClr val="lt1"/>
+          </a:fontRef>
+        </p:style>
+        <p:txBody>
+          <a:bodyPr rtlCol="0" anchor="ctr"/>
+          <a:lstStyle/>
+          <a:p>
+            <a:pPr algn="ctr"/>
+            <a:r>
+              <a:rPr lang="en-US" smtClean="0"/>
+              <a:t>GridLayoutGenerator</a:t>
+            </a:r>
+            <a:endParaRPr lang="en-US" dirty="0"/>
+          </a:p>
+        </p:txBody>
+      </p:sp>
+      <p:sp>
+        <p:nvSpPr>
+          <p:cNvPr id="6" name="Rectangle 5"/>
+          <p:cNvSpPr/>
+          <p:nvPr/>
+        </p:nvSpPr>
+        <p:spPr>
+          <a:xfrm>
+            <a:off x="3287485" y="1589314"/>
+            <a:ext cx="2452914" cy="566057"/>
+          </a:xfrm>
+          <a:prstGeom prst="rect">
+            <a:avLst/>
+          </a:prstGeom>
+        </p:spPr>
+        <p:style>
+          <a:lnRef idx="2">
+            <a:schemeClr val="accent1">
+              <a:shade val="50000"/>
+            </a:schemeClr>
+          </a:lnRef>
+          <a:fillRef idx="1">
+            <a:schemeClr val="accent1"/>
+          </a:fillRef>
+          <a:effectRef idx="0">
+            <a:schemeClr val="accent1"/>
+          </a:effectRef>
+          <a:fontRef idx="minor">
+            <a:schemeClr val="lt1"/>
+          </a:fontRef>
+        </p:style>
+        <p:txBody>
+          <a:bodyPr rtlCol="0" anchor="ctr"/>
+          <a:lstStyle/>
+          <a:p>
+            <a:pPr algn="ctr"/>
+            <a:r>
+              <a:rPr lang="en-US" dirty="0" err="1" smtClean="0"/>
+              <a:t>LayoutIO</a:t>
+            </a:r>
+            <a:endParaRPr lang="en-US" dirty="0"/>
+          </a:p>
+        </p:txBody>
+      </p:sp>
+      <p:sp>
+        <p:nvSpPr>
+          <p:cNvPr id="7" name="Rectangle 6"/>
+          <p:cNvSpPr/>
+          <p:nvPr/>
+        </p:nvSpPr>
+        <p:spPr>
+          <a:xfrm>
+            <a:off x="406400" y="5442857"/>
+            <a:ext cx="2452914" cy="566057"/>
+          </a:xfrm>
+          <a:prstGeom prst="rect">
+            <a:avLst/>
+          </a:prstGeom>
+        </p:spPr>
+        <p:style>
+          <a:lnRef idx="2">
+            <a:schemeClr val="accent1">
+              <a:shade val="50000"/>
+            </a:schemeClr>
+          </a:lnRef>
+          <a:fillRef idx="1">
+            <a:schemeClr val="accent1"/>
+          </a:fillRef>
+          <a:effectRef idx="0">
+            <a:schemeClr val="accent1"/>
+          </a:effectRef>
+          <a:fontRef idx="minor">
+            <a:schemeClr val="lt1"/>
+          </a:fontRef>
+        </p:style>
+        <p:txBody>
+          <a:bodyPr rtlCol="0" anchor="ctr"/>
+          <a:lstStyle/>
+          <a:p>
+            <a:pPr algn="ctr"/>
+            <a:r>
+              <a:rPr lang="en-US" smtClean="0"/>
+              <a:t>GridLayoutGenerator2</a:t>
+            </a:r>
+            <a:endParaRPr lang="en-US" dirty="0"/>
+          </a:p>
+        </p:txBody>
+      </p:sp>
+      <p:sp>
+        <p:nvSpPr>
+          <p:cNvPr id="8" name="Rectangle 7"/>
+          <p:cNvSpPr/>
+          <p:nvPr/>
+        </p:nvSpPr>
+        <p:spPr>
+          <a:xfrm>
+            <a:off x="3287485" y="2540001"/>
+            <a:ext cx="2452914" cy="566057"/>
+          </a:xfrm>
+          <a:prstGeom prst="rect">
+            <a:avLst/>
+          </a:prstGeom>
+        </p:spPr>
+        <p:style>
+          <a:lnRef idx="2">
+            <a:schemeClr val="accent1">
+              <a:shade val="50000"/>
+            </a:schemeClr>
+          </a:lnRef>
+          <a:fillRef idx="1">
+            <a:schemeClr val="accent1"/>
+          </a:fillRef>
+          <a:effectRef idx="0">
+            <a:schemeClr val="accent1"/>
+          </a:effectRef>
+          <a:fontRef idx="minor">
+            <a:schemeClr val="lt1"/>
+          </a:fontRef>
+        </p:style>
+        <p:txBody>
+          <a:bodyPr rtlCol="0" anchor="ctr"/>
+          <a:lstStyle/>
+          <a:p>
+            <a:pPr algn="ctr"/>
+            <a:r>
+              <a:rPr lang="en-US" dirty="0" smtClean="0"/>
+              <a:t>GDSIO/</a:t>
+            </a:r>
+            <a:r>
+              <a:rPr lang="en-US" dirty="0" err="1" smtClean="0"/>
+              <a:t>GDSHelper</a:t>
+            </a:r>
+            <a:endParaRPr lang="en-US" dirty="0"/>
+          </a:p>
+        </p:txBody>
+      </p:sp>
+      <p:sp>
+        <p:nvSpPr>
+          <p:cNvPr id="9" name="Rectangle 8"/>
+          <p:cNvSpPr/>
+          <p:nvPr/>
+        </p:nvSpPr>
+        <p:spPr>
+          <a:xfrm>
+            <a:off x="3287485" y="3490688"/>
+            <a:ext cx="2452914" cy="566057"/>
+          </a:xfrm>
+          <a:prstGeom prst="rect">
+            <a:avLst/>
+          </a:prstGeom>
+        </p:spPr>
+        <p:style>
+          <a:lnRef idx="2">
+            <a:schemeClr val="accent1">
+              <a:shade val="50000"/>
+            </a:schemeClr>
+          </a:lnRef>
+          <a:fillRef idx="1">
+            <a:schemeClr val="accent1"/>
+          </a:fillRef>
+          <a:effectRef idx="0">
+            <a:schemeClr val="accent1"/>
+          </a:effectRef>
+          <a:fontRef idx="minor">
+            <a:schemeClr val="lt1"/>
+          </a:fontRef>
+        </p:style>
+        <p:txBody>
+          <a:bodyPr rtlCol="0" anchor="ctr"/>
+          <a:lstStyle/>
+          <a:p>
+            <a:pPr algn="ctr"/>
+            <a:r>
+              <a:rPr lang="en-US" dirty="0" err="1" smtClean="0"/>
+              <a:t>TemplateDB</a:t>
+            </a:r>
+            <a:endParaRPr lang="en-US" dirty="0"/>
+          </a:p>
+        </p:txBody>
+      </p:sp>
+      <p:sp>
+        <p:nvSpPr>
+          <p:cNvPr id="10" name="Rectangle 9"/>
+          <p:cNvSpPr/>
+          <p:nvPr/>
+        </p:nvSpPr>
+        <p:spPr>
+          <a:xfrm>
+            <a:off x="3287485" y="638627"/>
+            <a:ext cx="2452914" cy="566057"/>
+          </a:xfrm>
+          <a:prstGeom prst="rect">
+            <a:avLst/>
+          </a:prstGeom>
+        </p:spPr>
+        <p:style>
+          <a:lnRef idx="2">
+            <a:schemeClr val="accent1">
+              <a:shade val="50000"/>
+            </a:schemeClr>
+          </a:lnRef>
+          <a:fillRef idx="1">
+            <a:schemeClr val="accent1"/>
+          </a:fillRef>
+          <a:effectRef idx="0">
+            <a:schemeClr val="accent1"/>
+          </a:effectRef>
+          <a:fontRef idx="minor">
+            <a:schemeClr val="lt1"/>
+          </a:fontRef>
+        </p:style>
+        <p:txBody>
+          <a:bodyPr rtlCol="0" anchor="ctr"/>
+          <a:lstStyle/>
+          <a:p>
+            <a:pPr algn="ctr"/>
+            <a:r>
+              <a:rPr lang="en-US" dirty="0" err="1" smtClean="0"/>
+              <a:t>LayoutDB</a:t>
+            </a:r>
+            <a:endParaRPr lang="en-US" dirty="0"/>
+          </a:p>
+        </p:txBody>
+      </p:sp>
+      <p:sp>
+        <p:nvSpPr>
+          <p:cNvPr id="11" name="Rectangle 10"/>
+          <p:cNvSpPr/>
+          <p:nvPr/>
+        </p:nvSpPr>
+        <p:spPr>
+          <a:xfrm>
+            <a:off x="3287485" y="4441375"/>
+            <a:ext cx="2452914" cy="566057"/>
+          </a:xfrm>
+          <a:prstGeom prst="rect">
+            <a:avLst/>
+          </a:prstGeom>
+        </p:spPr>
+        <p:style>
+          <a:lnRef idx="2">
+            <a:schemeClr val="accent1">
+              <a:shade val="50000"/>
+            </a:schemeClr>
+          </a:lnRef>
+          <a:fillRef idx="1">
+            <a:schemeClr val="accent1"/>
+          </a:fillRef>
+          <a:effectRef idx="0">
+            <a:schemeClr val="accent1"/>
+          </a:effectRef>
+          <a:fontRef idx="minor">
+            <a:schemeClr val="lt1"/>
+          </a:fontRef>
+        </p:style>
+        <p:txBody>
+          <a:bodyPr rtlCol="0" anchor="ctr"/>
+          <a:lstStyle/>
+          <a:p>
+            <a:pPr algn="ctr"/>
+            <a:r>
+              <a:rPr lang="en-US" dirty="0" err="1" smtClean="0"/>
+              <a:t>GridDB</a:t>
+            </a:r>
+            <a:endParaRPr lang="en-US" dirty="0"/>
+          </a:p>
+        </p:txBody>
+      </p:sp>
+      <p:sp>
+        <p:nvSpPr>
+          <p:cNvPr id="13" name="Rectangle 12"/>
+          <p:cNvSpPr/>
+          <p:nvPr/>
+        </p:nvSpPr>
+        <p:spPr>
+          <a:xfrm>
+            <a:off x="6168570" y="638626"/>
+            <a:ext cx="2452914" cy="566057"/>
+          </a:xfrm>
+          <a:prstGeom prst="rect">
+            <a:avLst/>
+          </a:prstGeom>
+        </p:spPr>
+        <p:style>
+          <a:lnRef idx="2">
+            <a:schemeClr val="accent1">
+              <a:shade val="50000"/>
+            </a:schemeClr>
+          </a:lnRef>
+          <a:fillRef idx="1">
+            <a:schemeClr val="accent1"/>
+          </a:fillRef>
+          <a:effectRef idx="0">
+            <a:schemeClr val="accent1"/>
+          </a:effectRef>
+          <a:fontRef idx="minor">
+            <a:schemeClr val="lt1"/>
+          </a:fontRef>
+        </p:style>
+        <p:txBody>
+          <a:bodyPr rtlCol="0" anchor="ctr"/>
+          <a:lstStyle/>
+          <a:p>
+            <a:pPr algn="ctr"/>
+            <a:r>
+              <a:rPr lang="en-US" smtClean="0"/>
+              <a:t>LayoutObject</a:t>
+            </a:r>
+            <a:endParaRPr lang="en-US" dirty="0"/>
+          </a:p>
+        </p:txBody>
+      </p:sp>
+      <p:sp>
+        <p:nvSpPr>
+          <p:cNvPr id="14" name="Rectangle 13"/>
+          <p:cNvSpPr/>
+          <p:nvPr/>
+        </p:nvSpPr>
+        <p:spPr>
+          <a:xfrm>
+            <a:off x="6168570" y="3490687"/>
+            <a:ext cx="2452914" cy="566057"/>
+          </a:xfrm>
+          <a:prstGeom prst="rect">
+            <a:avLst/>
+          </a:prstGeom>
+        </p:spPr>
+        <p:style>
+          <a:lnRef idx="2">
+            <a:schemeClr val="accent1">
+              <a:shade val="50000"/>
+            </a:schemeClr>
+          </a:lnRef>
+          <a:fillRef idx="1">
+            <a:schemeClr val="accent1"/>
+          </a:fillRef>
+          <a:effectRef idx="0">
+            <a:schemeClr val="accent1"/>
+          </a:effectRef>
+          <a:fontRef idx="minor">
+            <a:schemeClr val="lt1"/>
+          </a:fontRef>
+        </p:style>
+        <p:txBody>
+          <a:bodyPr rtlCol="0" anchor="ctr"/>
+          <a:lstStyle/>
+          <a:p>
+            <a:pPr algn="ctr"/>
+            <a:r>
+              <a:rPr lang="en-US" smtClean="0"/>
+              <a:t>TemplateObject</a:t>
+            </a:r>
+            <a:endParaRPr lang="en-US" dirty="0"/>
+          </a:p>
+        </p:txBody>
+      </p:sp>
+      <p:sp>
+        <p:nvSpPr>
+          <p:cNvPr id="15" name="Rectangle 14"/>
+          <p:cNvSpPr/>
+          <p:nvPr/>
+        </p:nvSpPr>
+        <p:spPr>
+          <a:xfrm>
+            <a:off x="6168570" y="4441375"/>
+            <a:ext cx="2452914" cy="566057"/>
+          </a:xfrm>
+          <a:prstGeom prst="rect">
+            <a:avLst/>
+          </a:prstGeom>
+        </p:spPr>
+        <p:style>
+          <a:lnRef idx="2">
+            <a:schemeClr val="accent1">
+              <a:shade val="50000"/>
+            </a:schemeClr>
+          </a:lnRef>
+          <a:fillRef idx="1">
+            <a:schemeClr val="accent1"/>
+          </a:fillRef>
+          <a:effectRef idx="0">
+            <a:schemeClr val="accent1"/>
+          </a:effectRef>
+          <a:fontRef idx="minor">
+            <a:schemeClr val="lt1"/>
+          </a:fontRef>
+        </p:style>
+        <p:txBody>
+          <a:bodyPr rtlCol="0" anchor="ctr"/>
+          <a:lstStyle/>
+          <a:p>
+            <a:pPr algn="ctr"/>
+            <a:r>
+              <a:rPr lang="en-US" dirty="0" err="1" smtClean="0"/>
+              <a:t>GridObject</a:t>
+            </a:r>
+            <a:endParaRPr lang="en-US" dirty="0"/>
+          </a:p>
+        </p:txBody>
+      </p:sp>
+      <p:cxnSp>
+        <p:nvCxnSpPr>
+          <p:cNvPr id="17" name="Straight Connector 16"/>
+          <p:cNvCxnSpPr/>
+          <p:nvPr/>
+        </p:nvCxnSpPr>
+        <p:spPr>
+          <a:xfrm flipV="1">
+            <a:off x="2859314" y="921653"/>
+            <a:ext cx="428171" cy="2"/>
+          </a:xfrm>
+          <a:prstGeom prst="line">
+            <a:avLst/>
+          </a:prstGeom>
+        </p:spPr>
+        <p:style>
+          <a:lnRef idx="2">
+            <a:schemeClr val="accent1"/>
+          </a:lnRef>
+          <a:fillRef idx="0">
+            <a:schemeClr val="accent1"/>
+          </a:fillRef>
+          <a:effectRef idx="1">
+            <a:schemeClr val="accent1"/>
+          </a:effectRef>
+          <a:fontRef idx="minor">
+            <a:schemeClr val="tx1"/>
+          </a:fontRef>
+        </p:style>
+      </p:cxnSp>
+      <p:cxnSp>
+        <p:nvCxnSpPr>
+          <p:cNvPr id="18" name="Straight Connector 17"/>
+          <p:cNvCxnSpPr/>
+          <p:nvPr/>
+        </p:nvCxnSpPr>
+        <p:spPr>
+          <a:xfrm flipV="1">
+            <a:off x="5740399" y="921651"/>
+            <a:ext cx="428171" cy="2"/>
+          </a:xfrm>
+          <a:prstGeom prst="line">
+            <a:avLst/>
+          </a:prstGeom>
+        </p:spPr>
+        <p:style>
+          <a:lnRef idx="2">
+            <a:schemeClr val="accent1"/>
+          </a:lnRef>
+          <a:fillRef idx="0">
+            <a:schemeClr val="accent1"/>
+          </a:fillRef>
+          <a:effectRef idx="1">
+            <a:schemeClr val="accent1"/>
+          </a:effectRef>
+          <a:fontRef idx="minor">
+            <a:schemeClr val="tx1"/>
+          </a:fontRef>
+        </p:style>
+      </p:cxnSp>
+      <p:cxnSp>
+        <p:nvCxnSpPr>
+          <p:cNvPr id="20" name="Straight Connector 19"/>
+          <p:cNvCxnSpPr/>
+          <p:nvPr/>
+        </p:nvCxnSpPr>
+        <p:spPr>
+          <a:xfrm flipV="1">
+            <a:off x="2859314" y="3799112"/>
+            <a:ext cx="428171" cy="2"/>
+          </a:xfrm>
+          <a:prstGeom prst="line">
+            <a:avLst/>
+          </a:prstGeom>
+        </p:spPr>
+        <p:style>
+          <a:lnRef idx="2">
+            <a:schemeClr val="accent1"/>
+          </a:lnRef>
+          <a:fillRef idx="0">
+            <a:schemeClr val="accent1"/>
+          </a:fillRef>
+          <a:effectRef idx="1">
+            <a:schemeClr val="accent1"/>
+          </a:effectRef>
+          <a:fontRef idx="minor">
+            <a:schemeClr val="tx1"/>
+          </a:fontRef>
+        </p:style>
+      </p:cxnSp>
+      <p:cxnSp>
+        <p:nvCxnSpPr>
+          <p:cNvPr id="21" name="Straight Connector 20"/>
+          <p:cNvCxnSpPr/>
+          <p:nvPr/>
+        </p:nvCxnSpPr>
+        <p:spPr>
+          <a:xfrm flipV="1">
+            <a:off x="5740399" y="3799110"/>
+            <a:ext cx="428171" cy="2"/>
+          </a:xfrm>
+          <a:prstGeom prst="line">
+            <a:avLst/>
+          </a:prstGeom>
+        </p:spPr>
+        <p:style>
+          <a:lnRef idx="2">
+            <a:schemeClr val="accent1"/>
+          </a:lnRef>
+          <a:fillRef idx="0">
+            <a:schemeClr val="accent1"/>
+          </a:fillRef>
+          <a:effectRef idx="1">
+            <a:schemeClr val="accent1"/>
+          </a:effectRef>
+          <a:fontRef idx="minor">
+            <a:schemeClr val="tx1"/>
+          </a:fontRef>
+        </p:style>
+      </p:cxnSp>
+      <p:cxnSp>
+        <p:nvCxnSpPr>
+          <p:cNvPr id="22" name="Straight Connector 21"/>
+          <p:cNvCxnSpPr/>
+          <p:nvPr/>
+        </p:nvCxnSpPr>
+        <p:spPr>
+          <a:xfrm>
+            <a:off x="3077029" y="4749796"/>
+            <a:ext cx="210456" cy="0"/>
+          </a:xfrm>
+          <a:prstGeom prst="line">
+            <a:avLst/>
+          </a:prstGeom>
+        </p:spPr>
+        <p:style>
+          <a:lnRef idx="2">
+            <a:schemeClr val="accent1"/>
+          </a:lnRef>
+          <a:fillRef idx="0">
+            <a:schemeClr val="accent1"/>
+          </a:fillRef>
+          <a:effectRef idx="1">
+            <a:schemeClr val="accent1"/>
+          </a:effectRef>
+          <a:fontRef idx="minor">
+            <a:schemeClr val="tx1"/>
+          </a:fontRef>
+        </p:style>
+      </p:cxnSp>
+      <p:cxnSp>
+        <p:nvCxnSpPr>
+          <p:cNvPr id="23" name="Straight Connector 22"/>
+          <p:cNvCxnSpPr/>
+          <p:nvPr/>
+        </p:nvCxnSpPr>
+        <p:spPr>
+          <a:xfrm flipV="1">
+            <a:off x="5740399" y="4749794"/>
+            <a:ext cx="428171" cy="2"/>
+          </a:xfrm>
+          <a:prstGeom prst="line">
+            <a:avLst/>
+          </a:prstGeom>
+        </p:spPr>
+        <p:style>
+          <a:lnRef idx="2">
+            <a:schemeClr val="accent1"/>
+          </a:lnRef>
+          <a:fillRef idx="0">
+            <a:schemeClr val="accent1"/>
+          </a:fillRef>
+          <a:effectRef idx="1">
+            <a:schemeClr val="accent1"/>
+          </a:effectRef>
+          <a:fontRef idx="minor">
+            <a:schemeClr val="tx1"/>
+          </a:fontRef>
+        </p:style>
+      </p:cxnSp>
+      <p:cxnSp>
+        <p:nvCxnSpPr>
+          <p:cNvPr id="25" name="Straight Connector 24"/>
+          <p:cNvCxnSpPr/>
+          <p:nvPr/>
+        </p:nvCxnSpPr>
+        <p:spPr>
+          <a:xfrm>
+            <a:off x="3077029" y="1868711"/>
+            <a:ext cx="210456" cy="0"/>
+          </a:xfrm>
+          <a:prstGeom prst="line">
+            <a:avLst/>
+          </a:prstGeom>
+        </p:spPr>
+        <p:style>
+          <a:lnRef idx="2">
+            <a:schemeClr val="accent1"/>
+          </a:lnRef>
+          <a:fillRef idx="0">
+            <a:schemeClr val="accent1"/>
+          </a:fillRef>
+          <a:effectRef idx="1">
+            <a:schemeClr val="accent1"/>
+          </a:effectRef>
+          <a:fontRef idx="minor">
+            <a:schemeClr val="tx1"/>
+          </a:fontRef>
+        </p:style>
+      </p:cxnSp>
+      <p:cxnSp>
+        <p:nvCxnSpPr>
+          <p:cNvPr id="27" name="Straight Connector 26"/>
+          <p:cNvCxnSpPr>
+            <a:stCxn id="6" idx="2"/>
+            <a:endCxn id="8" idx="0"/>
+          </p:cNvCxnSpPr>
+          <p:nvPr/>
+        </p:nvCxnSpPr>
+        <p:spPr>
+          <a:xfrm>
+            <a:off x="4513942" y="2155371"/>
+            <a:ext cx="0" cy="384630"/>
+          </a:xfrm>
+          <a:prstGeom prst="line">
+            <a:avLst/>
+          </a:prstGeom>
+        </p:spPr>
+        <p:style>
+          <a:lnRef idx="2">
+            <a:schemeClr val="accent1"/>
+          </a:lnRef>
+          <a:fillRef idx="0">
+            <a:schemeClr val="accent1"/>
+          </a:fillRef>
+          <a:effectRef idx="1">
+            <a:schemeClr val="accent1"/>
+          </a:effectRef>
+          <a:fontRef idx="minor">
+            <a:schemeClr val="tx1"/>
+          </a:fontRef>
+        </p:style>
+      </p:cxnSp>
+      <p:cxnSp>
+        <p:nvCxnSpPr>
+          <p:cNvPr id="29" name="Straight Connector 28"/>
+          <p:cNvCxnSpPr/>
+          <p:nvPr/>
+        </p:nvCxnSpPr>
+        <p:spPr>
+          <a:xfrm flipV="1">
+            <a:off x="3077029" y="921651"/>
+            <a:ext cx="0" cy="947060"/>
+          </a:xfrm>
+          <a:prstGeom prst="line">
+            <a:avLst/>
+          </a:prstGeom>
+        </p:spPr>
+        <p:style>
+          <a:lnRef idx="2">
+            <a:schemeClr val="accent1"/>
+          </a:lnRef>
+          <a:fillRef idx="0">
+            <a:schemeClr val="accent1"/>
+          </a:fillRef>
+          <a:effectRef idx="1">
+            <a:schemeClr val="accent1"/>
+          </a:effectRef>
+          <a:fontRef idx="minor">
+            <a:schemeClr val="tx1"/>
+          </a:fontRef>
+        </p:style>
+      </p:cxnSp>
+      <p:cxnSp>
+        <p:nvCxnSpPr>
+          <p:cNvPr id="31" name="Straight Connector 30"/>
+          <p:cNvCxnSpPr/>
+          <p:nvPr/>
+        </p:nvCxnSpPr>
+        <p:spPr>
+          <a:xfrm flipV="1">
+            <a:off x="3077029" y="3799110"/>
+            <a:ext cx="0" cy="950684"/>
+          </a:xfrm>
+          <a:prstGeom prst="line">
+            <a:avLst/>
+          </a:prstGeom>
+        </p:spPr>
+        <p:style>
+          <a:lnRef idx="2">
+            <a:schemeClr val="accent1"/>
+          </a:lnRef>
+          <a:fillRef idx="0">
+            <a:schemeClr val="accent1"/>
+          </a:fillRef>
+          <a:effectRef idx="1">
+            <a:schemeClr val="accent1"/>
+          </a:effectRef>
+          <a:fontRef idx="minor">
+            <a:schemeClr val="tx1"/>
+          </a:fontRef>
+        </p:style>
+      </p:cxnSp>
+      <p:cxnSp>
+        <p:nvCxnSpPr>
+          <p:cNvPr id="33" name="Straight Arrow Connector 32"/>
+          <p:cNvCxnSpPr>
+            <a:stCxn id="6" idx="3"/>
+          </p:cNvCxnSpPr>
+          <p:nvPr/>
+        </p:nvCxnSpPr>
+        <p:spPr>
+          <a:xfrm flipV="1">
+            <a:off x="5740399" y="1868711"/>
+            <a:ext cx="428171" cy="3632"/>
+          </a:xfrm>
+          <a:prstGeom prst="straightConnector1">
+            <a:avLst/>
+          </a:prstGeom>
+          <a:ln>
+            <a:headEnd type="triangle"/>
+            <a:tailEnd type="triangle"/>
+          </a:ln>
+        </p:spPr>
+        <p:style>
+          <a:lnRef idx="2">
+            <a:schemeClr val="accent1"/>
+          </a:lnRef>
+          <a:fillRef idx="0">
+            <a:schemeClr val="accent1"/>
+          </a:fillRef>
+          <a:effectRef idx="1">
+            <a:schemeClr val="accent1"/>
+          </a:effectRef>
+          <a:fontRef idx="minor">
+            <a:schemeClr val="tx1"/>
+          </a:fontRef>
+        </p:style>
+      </p:cxnSp>
+      <p:cxnSp>
+        <p:nvCxnSpPr>
+          <p:cNvPr id="34" name="Straight Arrow Connector 33"/>
+          <p:cNvCxnSpPr/>
+          <p:nvPr/>
+        </p:nvCxnSpPr>
+        <p:spPr>
+          <a:xfrm flipV="1">
+            <a:off x="5740398" y="2833910"/>
+            <a:ext cx="428171" cy="3632"/>
+          </a:xfrm>
+          <a:prstGeom prst="straightConnector1">
+            <a:avLst/>
+          </a:prstGeom>
+          <a:ln>
+            <a:headEnd type="triangle"/>
+            <a:tailEnd type="triangle"/>
+          </a:ln>
+        </p:spPr>
+        <p:style>
+          <a:lnRef idx="2">
+            <a:schemeClr val="accent1"/>
+          </a:lnRef>
+          <a:fillRef idx="0">
+            <a:schemeClr val="accent1"/>
+          </a:fillRef>
+          <a:effectRef idx="1">
+            <a:schemeClr val="accent1"/>
+          </a:effectRef>
+          <a:fontRef idx="minor">
+            <a:schemeClr val="tx1"/>
+          </a:fontRef>
+        </p:style>
+      </p:cxnSp>
+      <p:sp>
+        <p:nvSpPr>
+          <p:cNvPr id="35" name="Rectangle 34"/>
+          <p:cNvSpPr/>
+          <p:nvPr/>
+        </p:nvSpPr>
+        <p:spPr>
+          <a:xfrm>
+            <a:off x="6168570" y="1594755"/>
+            <a:ext cx="2452914" cy="566057"/>
+          </a:xfrm>
+          <a:prstGeom prst="rect">
+            <a:avLst/>
+          </a:prstGeom>
+          <a:noFill/>
+          <a:ln>
+            <a:noFill/>
+          </a:ln>
+        </p:spPr>
+        <p:style>
+          <a:lnRef idx="2">
+            <a:schemeClr val="accent1">
+              <a:shade val="50000"/>
+            </a:schemeClr>
+          </a:lnRef>
+          <a:fillRef idx="1">
+            <a:schemeClr val="accent1"/>
+          </a:fillRef>
+          <a:effectRef idx="0">
+            <a:schemeClr val="accent1"/>
+          </a:effectRef>
+          <a:fontRef idx="minor">
+            <a:schemeClr val="lt1"/>
+          </a:fontRef>
+        </p:style>
+        <p:txBody>
+          <a:bodyPr rtlCol="0" anchor="ctr"/>
+          <a:lstStyle/>
+          <a:p>
+            <a:r>
+              <a:rPr lang="en-US" dirty="0" smtClean="0">
+                <a:solidFill>
+                  <a:schemeClr val="tx1"/>
+                </a:solidFill>
+              </a:rPr>
+              <a:t>BAG export</a:t>
+            </a:r>
+            <a:endParaRPr lang="en-US" dirty="0">
+              <a:solidFill>
+                <a:schemeClr val="tx1"/>
+              </a:solidFill>
+            </a:endParaRPr>
+          </a:p>
+        </p:txBody>
+      </p:sp>
+      <p:sp>
+        <p:nvSpPr>
+          <p:cNvPr id="37" name="Rectangle 36"/>
+          <p:cNvSpPr/>
+          <p:nvPr/>
+        </p:nvSpPr>
+        <p:spPr>
+          <a:xfrm>
+            <a:off x="6168569" y="2530928"/>
+            <a:ext cx="2452914" cy="566057"/>
+          </a:xfrm>
+          <a:prstGeom prst="rect">
+            <a:avLst/>
+          </a:prstGeom>
+          <a:noFill/>
+          <a:ln>
+            <a:noFill/>
+          </a:ln>
+        </p:spPr>
+        <p:style>
+          <a:lnRef idx="2">
+            <a:schemeClr val="accent1">
+              <a:shade val="50000"/>
+            </a:schemeClr>
+          </a:lnRef>
+          <a:fillRef idx="1">
+            <a:schemeClr val="accent1"/>
+          </a:fillRef>
+          <a:effectRef idx="0">
+            <a:schemeClr val="accent1"/>
+          </a:effectRef>
+          <a:fontRef idx="minor">
+            <a:schemeClr val="lt1"/>
+          </a:fontRef>
+        </p:style>
+        <p:txBody>
+          <a:bodyPr rtlCol="0" anchor="ctr"/>
+          <a:lstStyle/>
+          <a:p>
+            <a:r>
+              <a:rPr lang="en-US" dirty="0" smtClean="0">
+                <a:solidFill>
+                  <a:schemeClr val="tx1"/>
+                </a:solidFill>
+              </a:rPr>
+              <a:t>GDS export</a:t>
+            </a:r>
+            <a:endParaRPr lang="en-US" dirty="0">
+              <a:solidFill>
+                <a:schemeClr val="tx1"/>
+              </a:solidFill>
+            </a:endParaRPr>
+          </a:p>
+        </p:txBody>
+      </p:sp>
+      <p:cxnSp>
+        <p:nvCxnSpPr>
+          <p:cNvPr id="39" name="Straight Arrow Connector 38"/>
+          <p:cNvCxnSpPr>
+            <a:stCxn id="4" idx="2"/>
+            <a:endCxn id="5" idx="0"/>
+          </p:cNvCxnSpPr>
+          <p:nvPr/>
+        </p:nvCxnSpPr>
+        <p:spPr>
+          <a:xfrm>
+            <a:off x="1632857" y="1204682"/>
+            <a:ext cx="0" cy="2286005"/>
+          </a:xfrm>
+          <a:prstGeom prst="straightConnector1">
+            <a:avLst/>
+          </a:prstGeom>
+          <a:ln>
+            <a:prstDash val="sysDash"/>
+            <a:tailEnd type="triangle"/>
+          </a:ln>
+        </p:spPr>
+        <p:style>
+          <a:lnRef idx="2">
+            <a:schemeClr val="accent1"/>
+          </a:lnRef>
+          <a:fillRef idx="0">
+            <a:schemeClr val="accent1"/>
+          </a:fillRef>
+          <a:effectRef idx="1">
+            <a:schemeClr val="accent1"/>
+          </a:effectRef>
+          <a:fontRef idx="minor">
+            <a:schemeClr val="tx1"/>
+          </a:fontRef>
+        </p:style>
+      </p:cxnSp>
+      <p:cxnSp>
+        <p:nvCxnSpPr>
+          <p:cNvPr id="41" name="Straight Arrow Connector 40"/>
+          <p:cNvCxnSpPr>
+            <a:stCxn id="5" idx="2"/>
+            <a:endCxn id="7" idx="0"/>
+          </p:cNvCxnSpPr>
+          <p:nvPr/>
+        </p:nvCxnSpPr>
+        <p:spPr>
+          <a:xfrm>
+            <a:off x="1632857" y="4056744"/>
+            <a:ext cx="0" cy="1386113"/>
+          </a:xfrm>
+          <a:prstGeom prst="straightConnector1">
+            <a:avLst/>
+          </a:prstGeom>
+          <a:ln>
+            <a:prstDash val="sysDash"/>
+            <a:tailEnd type="triangle"/>
+          </a:ln>
+        </p:spPr>
+        <p:style>
+          <a:lnRef idx="2">
+            <a:schemeClr val="accent1"/>
+          </a:lnRef>
+          <a:fillRef idx="0">
+            <a:schemeClr val="accent1"/>
+          </a:fillRef>
+          <a:effectRef idx="1">
+            <a:schemeClr val="accent1"/>
+          </a:effectRef>
+          <a:fontRef idx="minor">
+            <a:schemeClr val="tx1"/>
+          </a:fontRef>
+        </p:style>
+      </p:cxnSp>
+    </p:spTree>
+    <p:extLst>
+      <p:ext uri="{BB962C8B-B14F-4D97-AF65-F5344CB8AC3E}">
+        <p14:creationId xmlns:p14="http://schemas.microsoft.com/office/powerpoint/2010/main" val="1644858662"/>
+      </p:ext>
+    </p:extLst>
+  </p:cSld>
+  <p:clrMapOvr>
+    <a:masterClrMapping/>
+  </p:clrMapOvr>
+</p:sld>
+</file>
+
+<file path=ppt/slides/slide15.xml><?xml version="1.0" encoding="utf-8"?>
 <p:sld xmlns:a="http://schemas.openxmlformats.org/drawingml/2006/main" xmlns:r="http://schemas.openxmlformats.org/officeDocument/2006/relationships" xmlns:p="http://schemas.openxmlformats.org/presentationml/2006/main">
   <p:cSld>
     <p:spTree>
